--- a/Powerpoint/Group 23_presentation(1)_not complete.pptx
+++ b/Powerpoint/Group 23_presentation(1)_not complete.pptx
@@ -4,6 +4,9 @@
   <p:sldMasterIdLst>
     <p:sldMasterId id="2147483672" r:id="rId1"/>
   </p:sldMasterIdLst>
+  <p:notesMasterIdLst>
+    <p:notesMasterId r:id="rId9"/>
+  </p:notesMasterIdLst>
   <p:sldIdLst>
     <p:sldId id="258" r:id="rId2"/>
     <p:sldId id="257" r:id="rId3"/>
@@ -110,6 +113,11 @@
       </a:defRPr>
     </a:lvl9pPr>
   </p:defaultTextStyle>
+  <p:extLst>
+    <p:ext uri="{EFAFB233-063F-42B5-8137-9DF3F51BA10A}">
+      <p15:sldGuideLst xmlns:p15="http://schemas.microsoft.com/office/powerpoint/2012/main"/>
+    </p:ext>
+  </p:extLst>
 </p:presentation>
 </file>
 
@@ -1086,6 +1094,13 @@
         </dgm:presLayoutVars>
       </dgm:prSet>
       <dgm:spPr/>
+      <dgm:t>
+        <a:bodyPr/>
+        <a:lstStyle/>
+        <a:p>
+          <a:endParaRPr lang="en-US"/>
+        </a:p>
+      </dgm:t>
     </dgm:pt>
     <dgm:pt modelId="{643CC2CD-A088-4109-AE37-887F87D38887}" type="pres">
       <dgm:prSet presAssocID="{6EEA99AB-FC86-4494-8F7D-BB80EBB4FBFE}" presName="node" presStyleLbl="node1" presStyleIdx="0" presStyleCnt="4">
@@ -1094,14 +1109,35 @@
         </dgm:presLayoutVars>
       </dgm:prSet>
       <dgm:spPr/>
+      <dgm:t>
+        <a:bodyPr/>
+        <a:lstStyle/>
+        <a:p>
+          <a:endParaRPr lang="en-US"/>
+        </a:p>
+      </dgm:t>
     </dgm:pt>
     <dgm:pt modelId="{38B44532-39E9-4E61-8405-FFE8F316CB1B}" type="pres">
       <dgm:prSet presAssocID="{A8A8A60B-BA57-419D-910D-6DC87652E776}" presName="sibTrans" presStyleLbl="sibTrans2D1" presStyleIdx="0" presStyleCnt="4"/>
       <dgm:spPr/>
+      <dgm:t>
+        <a:bodyPr/>
+        <a:lstStyle/>
+        <a:p>
+          <a:endParaRPr lang="en-US"/>
+        </a:p>
+      </dgm:t>
     </dgm:pt>
     <dgm:pt modelId="{527979CF-447A-466E-896B-78F2E102EF28}" type="pres">
       <dgm:prSet presAssocID="{A8A8A60B-BA57-419D-910D-6DC87652E776}" presName="connectorText" presStyleLbl="sibTrans2D1" presStyleIdx="0" presStyleCnt="4"/>
       <dgm:spPr/>
+      <dgm:t>
+        <a:bodyPr/>
+        <a:lstStyle/>
+        <a:p>
+          <a:endParaRPr lang="en-US"/>
+        </a:p>
+      </dgm:t>
     </dgm:pt>
     <dgm:pt modelId="{36AD9E66-2330-40EA-B5F0-19E2B0EA80AF}" type="pres">
       <dgm:prSet presAssocID="{851ED4DE-CA93-4566-8CED-9D9EF2B7193A}" presName="node" presStyleLbl="node1" presStyleIdx="1" presStyleCnt="4">
@@ -1110,14 +1146,35 @@
         </dgm:presLayoutVars>
       </dgm:prSet>
       <dgm:spPr/>
+      <dgm:t>
+        <a:bodyPr/>
+        <a:lstStyle/>
+        <a:p>
+          <a:endParaRPr lang="en-US"/>
+        </a:p>
+      </dgm:t>
     </dgm:pt>
     <dgm:pt modelId="{1574F292-0337-44AF-88B5-A4724274CEC5}" type="pres">
       <dgm:prSet presAssocID="{7F43E347-A4C1-445C-8653-5F2C29B136D5}" presName="sibTrans" presStyleLbl="sibTrans2D1" presStyleIdx="1" presStyleCnt="4"/>
       <dgm:spPr/>
+      <dgm:t>
+        <a:bodyPr/>
+        <a:lstStyle/>
+        <a:p>
+          <a:endParaRPr lang="en-US"/>
+        </a:p>
+      </dgm:t>
     </dgm:pt>
     <dgm:pt modelId="{D04EB952-803E-430C-A884-D76E1258BD90}" type="pres">
       <dgm:prSet presAssocID="{7F43E347-A4C1-445C-8653-5F2C29B136D5}" presName="connectorText" presStyleLbl="sibTrans2D1" presStyleIdx="1" presStyleCnt="4"/>
       <dgm:spPr/>
+      <dgm:t>
+        <a:bodyPr/>
+        <a:lstStyle/>
+        <a:p>
+          <a:endParaRPr lang="en-US"/>
+        </a:p>
+      </dgm:t>
     </dgm:pt>
     <dgm:pt modelId="{DED60195-1C99-4739-A7DD-A402328DD38E}" type="pres">
       <dgm:prSet presAssocID="{4D11969B-57DE-4B8F-8A5E-3CFA602B671D}" presName="node" presStyleLbl="node1" presStyleIdx="2" presStyleCnt="4">
@@ -1126,14 +1183,35 @@
         </dgm:presLayoutVars>
       </dgm:prSet>
       <dgm:spPr/>
+      <dgm:t>
+        <a:bodyPr/>
+        <a:lstStyle/>
+        <a:p>
+          <a:endParaRPr lang="en-US"/>
+        </a:p>
+      </dgm:t>
     </dgm:pt>
     <dgm:pt modelId="{1212A7DE-8B32-4C55-98E3-9AC17CA1E015}" type="pres">
       <dgm:prSet presAssocID="{FC980926-4776-4D80-B2D4-F5DEF86254AB}" presName="sibTrans" presStyleLbl="sibTrans2D1" presStyleIdx="2" presStyleCnt="4"/>
       <dgm:spPr/>
+      <dgm:t>
+        <a:bodyPr/>
+        <a:lstStyle/>
+        <a:p>
+          <a:endParaRPr lang="en-US"/>
+        </a:p>
+      </dgm:t>
     </dgm:pt>
     <dgm:pt modelId="{942FA6F5-FF86-4227-B67F-D7F7724E80A3}" type="pres">
       <dgm:prSet presAssocID="{FC980926-4776-4D80-B2D4-F5DEF86254AB}" presName="connectorText" presStyleLbl="sibTrans2D1" presStyleIdx="2" presStyleCnt="4"/>
       <dgm:spPr/>
+      <dgm:t>
+        <a:bodyPr/>
+        <a:lstStyle/>
+        <a:p>
+          <a:endParaRPr lang="en-US"/>
+        </a:p>
+      </dgm:t>
     </dgm:pt>
     <dgm:pt modelId="{4FBAAE61-2BAE-4D13-BE24-E869CAF129DB}" type="pres">
       <dgm:prSet presAssocID="{C1D3FC40-3232-4297-B8C5-7E4BBB47B0E4}" presName="node" presStyleLbl="node1" presStyleIdx="3" presStyleCnt="4">
@@ -1142,34 +1220,55 @@
         </dgm:presLayoutVars>
       </dgm:prSet>
       <dgm:spPr/>
+      <dgm:t>
+        <a:bodyPr/>
+        <a:lstStyle/>
+        <a:p>
+          <a:endParaRPr lang="en-US"/>
+        </a:p>
+      </dgm:t>
     </dgm:pt>
     <dgm:pt modelId="{5416112A-307C-4535-A11F-2E010DED4018}" type="pres">
       <dgm:prSet presAssocID="{3406C433-C577-4668-BACC-895ACB763BAF}" presName="sibTrans" presStyleLbl="sibTrans2D1" presStyleIdx="3" presStyleCnt="4"/>
       <dgm:spPr/>
+      <dgm:t>
+        <a:bodyPr/>
+        <a:lstStyle/>
+        <a:p>
+          <a:endParaRPr lang="en-US"/>
+        </a:p>
+      </dgm:t>
     </dgm:pt>
     <dgm:pt modelId="{5EBE6737-1AB8-4DC8-AAC9-D1A2E773AA2F}" type="pres">
       <dgm:prSet presAssocID="{3406C433-C577-4668-BACC-895ACB763BAF}" presName="connectorText" presStyleLbl="sibTrans2D1" presStyleIdx="3" presStyleCnt="4"/>
       <dgm:spPr/>
+      <dgm:t>
+        <a:bodyPr/>
+        <a:lstStyle/>
+        <a:p>
+          <a:endParaRPr lang="en-US"/>
+        </a:p>
+      </dgm:t>
     </dgm:pt>
   </dgm:ptLst>
   <dgm:cxnLst>
+    <dgm:cxn modelId="{2FD20263-BB8F-454A-8001-F8CC06AD869E}" type="presOf" srcId="{C1D3FC40-3232-4297-B8C5-7E4BBB47B0E4}" destId="{4FBAAE61-2BAE-4D13-BE24-E869CAF129DB}" srcOrd="0" destOrd="0" presId="urn:microsoft.com/office/officeart/2005/8/layout/cycle2"/>
+    <dgm:cxn modelId="{362D80FB-E283-4E2C-A19C-3F81B8C7CA78}" type="presOf" srcId="{7F43E347-A4C1-445C-8653-5F2C29B136D5}" destId="{1574F292-0337-44AF-88B5-A4724274CEC5}" srcOrd="0" destOrd="0" presId="urn:microsoft.com/office/officeart/2005/8/layout/cycle2"/>
+    <dgm:cxn modelId="{89883AC6-52E8-4ED8-9753-51A376CED435}" type="presOf" srcId="{FC980926-4776-4D80-B2D4-F5DEF86254AB}" destId="{1212A7DE-8B32-4C55-98E3-9AC17CA1E015}" srcOrd="0" destOrd="0" presId="urn:microsoft.com/office/officeart/2005/8/layout/cycle2"/>
     <dgm:cxn modelId="{92DAB109-2339-4584-8DC3-2A0DA3CB520A}" type="presOf" srcId="{3406C433-C577-4668-BACC-895ACB763BAF}" destId="{5EBE6737-1AB8-4DC8-AAC9-D1A2E773AA2F}" srcOrd="1" destOrd="0" presId="urn:microsoft.com/office/officeart/2005/8/layout/cycle2"/>
+    <dgm:cxn modelId="{BEC842FF-488F-4733-8A30-57234BB99A3E}" srcId="{167B59DF-2952-4B34-B7A1-FB8BD2CE9EF2}" destId="{851ED4DE-CA93-4566-8CED-9D9EF2B7193A}" srcOrd="1" destOrd="0" parTransId="{AB13C0EC-B881-4DF3-9AE2-9D6E34E2C643}" sibTransId="{7F43E347-A4C1-445C-8653-5F2C29B136D5}"/>
+    <dgm:cxn modelId="{FD3E1339-1AB7-4E56-A3CD-87027250963E}" type="presOf" srcId="{851ED4DE-CA93-4566-8CED-9D9EF2B7193A}" destId="{36AD9E66-2330-40EA-B5F0-19E2B0EA80AF}" srcOrd="0" destOrd="0" presId="urn:microsoft.com/office/officeart/2005/8/layout/cycle2"/>
+    <dgm:cxn modelId="{27DBAE87-3489-410F-BE0B-D3FE0367E082}" type="presOf" srcId="{FC980926-4776-4D80-B2D4-F5DEF86254AB}" destId="{942FA6F5-FF86-4227-B67F-D7F7724E80A3}" srcOrd="1" destOrd="0" presId="urn:microsoft.com/office/officeart/2005/8/layout/cycle2"/>
+    <dgm:cxn modelId="{872423F1-A8D6-4A90-A04A-657F3616D5F1}" type="presOf" srcId="{7F43E347-A4C1-445C-8653-5F2C29B136D5}" destId="{D04EB952-803E-430C-A884-D76E1258BD90}" srcOrd="1" destOrd="0" presId="urn:microsoft.com/office/officeart/2005/8/layout/cycle2"/>
+    <dgm:cxn modelId="{F58DF35F-CC88-4FC0-84E5-DFC52072F0C6}" type="presOf" srcId="{A8A8A60B-BA57-419D-910D-6DC87652E776}" destId="{527979CF-447A-466E-896B-78F2E102EF28}" srcOrd="1" destOrd="0" presId="urn:microsoft.com/office/officeart/2005/8/layout/cycle2"/>
+    <dgm:cxn modelId="{F7C886DE-CFF7-4953-83BE-6B88717A74BF}" type="presOf" srcId="{6EEA99AB-FC86-4494-8F7D-BB80EBB4FBFE}" destId="{643CC2CD-A088-4109-AE37-887F87D38887}" srcOrd="0" destOrd="0" presId="urn:microsoft.com/office/officeart/2005/8/layout/cycle2"/>
+    <dgm:cxn modelId="{62CBD34D-41DF-4191-8FE2-EF6DEC422631}" srcId="{167B59DF-2952-4B34-B7A1-FB8BD2CE9EF2}" destId="{C1D3FC40-3232-4297-B8C5-7E4BBB47B0E4}" srcOrd="3" destOrd="0" parTransId="{92668E37-588D-4365-AA98-2B2DC8F4D96D}" sibTransId="{3406C433-C577-4668-BACC-895ACB763BAF}"/>
+    <dgm:cxn modelId="{AF4ED148-214E-4A39-A91D-976FA39D5406}" type="presOf" srcId="{A8A8A60B-BA57-419D-910D-6DC87652E776}" destId="{38B44532-39E9-4E61-8405-FFE8F316CB1B}" srcOrd="0" destOrd="0" presId="urn:microsoft.com/office/officeart/2005/8/layout/cycle2"/>
+    <dgm:cxn modelId="{DE7B395F-6DC4-43E0-9DF2-5759C6A0ED27}" type="presOf" srcId="{4D11969B-57DE-4B8F-8A5E-3CFA602B671D}" destId="{DED60195-1C99-4739-A7DD-A402328DD38E}" srcOrd="0" destOrd="0" presId="urn:microsoft.com/office/officeart/2005/8/layout/cycle2"/>
+    <dgm:cxn modelId="{CC2BA6BC-7393-4CE8-BE6F-C13CC10702A6}" type="presOf" srcId="{167B59DF-2952-4B34-B7A1-FB8BD2CE9EF2}" destId="{119BE1D0-368C-4AC8-87A4-B19A19A84619}" srcOrd="0" destOrd="0" presId="urn:microsoft.com/office/officeart/2005/8/layout/cycle2"/>
     <dgm:cxn modelId="{52915415-4E7D-482E-AD10-C1EBE6719326}" srcId="{167B59DF-2952-4B34-B7A1-FB8BD2CE9EF2}" destId="{6EEA99AB-FC86-4494-8F7D-BB80EBB4FBFE}" srcOrd="0" destOrd="0" parTransId="{0F75312D-B45E-41CC-BA5A-8A0754B3B6C1}" sibTransId="{A8A8A60B-BA57-419D-910D-6DC87652E776}"/>
-    <dgm:cxn modelId="{FD3E1339-1AB7-4E56-A3CD-87027250963E}" type="presOf" srcId="{851ED4DE-CA93-4566-8CED-9D9EF2B7193A}" destId="{36AD9E66-2330-40EA-B5F0-19E2B0EA80AF}" srcOrd="0" destOrd="0" presId="urn:microsoft.com/office/officeart/2005/8/layout/cycle2"/>
     <dgm:cxn modelId="{F3736C3B-47E7-4976-89D6-2F5C809A0739}" type="presOf" srcId="{3406C433-C577-4668-BACC-895ACB763BAF}" destId="{5416112A-307C-4535-A11F-2E010DED4018}" srcOrd="0" destOrd="0" presId="urn:microsoft.com/office/officeart/2005/8/layout/cycle2"/>
-    <dgm:cxn modelId="{DE7B395F-6DC4-43E0-9DF2-5759C6A0ED27}" type="presOf" srcId="{4D11969B-57DE-4B8F-8A5E-3CFA602B671D}" destId="{DED60195-1C99-4739-A7DD-A402328DD38E}" srcOrd="0" destOrd="0" presId="urn:microsoft.com/office/officeart/2005/8/layout/cycle2"/>
-    <dgm:cxn modelId="{F58DF35F-CC88-4FC0-84E5-DFC52072F0C6}" type="presOf" srcId="{A8A8A60B-BA57-419D-910D-6DC87652E776}" destId="{527979CF-447A-466E-896B-78F2E102EF28}" srcOrd="1" destOrd="0" presId="urn:microsoft.com/office/officeart/2005/8/layout/cycle2"/>
-    <dgm:cxn modelId="{2FD20263-BB8F-454A-8001-F8CC06AD869E}" type="presOf" srcId="{C1D3FC40-3232-4297-B8C5-7E4BBB47B0E4}" destId="{4FBAAE61-2BAE-4D13-BE24-E869CAF129DB}" srcOrd="0" destOrd="0" presId="urn:microsoft.com/office/officeart/2005/8/layout/cycle2"/>
-    <dgm:cxn modelId="{AF4ED148-214E-4A39-A91D-976FA39D5406}" type="presOf" srcId="{A8A8A60B-BA57-419D-910D-6DC87652E776}" destId="{38B44532-39E9-4E61-8405-FFE8F316CB1B}" srcOrd="0" destOrd="0" presId="urn:microsoft.com/office/officeart/2005/8/layout/cycle2"/>
-    <dgm:cxn modelId="{62CBD34D-41DF-4191-8FE2-EF6DEC422631}" srcId="{167B59DF-2952-4B34-B7A1-FB8BD2CE9EF2}" destId="{C1D3FC40-3232-4297-B8C5-7E4BBB47B0E4}" srcOrd="3" destOrd="0" parTransId="{92668E37-588D-4365-AA98-2B2DC8F4D96D}" sibTransId="{3406C433-C577-4668-BACC-895ACB763BAF}"/>
     <dgm:cxn modelId="{9DFB5B53-EB01-404D-9AAE-63E0365930CE}" srcId="{167B59DF-2952-4B34-B7A1-FB8BD2CE9EF2}" destId="{4D11969B-57DE-4B8F-8A5E-3CFA602B671D}" srcOrd="2" destOrd="0" parTransId="{2903D231-5BBD-47F0-A174-833CFD4E2332}" sibTransId="{FC980926-4776-4D80-B2D4-F5DEF86254AB}"/>
-    <dgm:cxn modelId="{27DBAE87-3489-410F-BE0B-D3FE0367E082}" type="presOf" srcId="{FC980926-4776-4D80-B2D4-F5DEF86254AB}" destId="{942FA6F5-FF86-4227-B67F-D7F7724E80A3}" srcOrd="1" destOrd="0" presId="urn:microsoft.com/office/officeart/2005/8/layout/cycle2"/>
-    <dgm:cxn modelId="{CC2BA6BC-7393-4CE8-BE6F-C13CC10702A6}" type="presOf" srcId="{167B59DF-2952-4B34-B7A1-FB8BD2CE9EF2}" destId="{119BE1D0-368C-4AC8-87A4-B19A19A84619}" srcOrd="0" destOrd="0" presId="urn:microsoft.com/office/officeart/2005/8/layout/cycle2"/>
-    <dgm:cxn modelId="{89883AC6-52E8-4ED8-9753-51A376CED435}" type="presOf" srcId="{FC980926-4776-4D80-B2D4-F5DEF86254AB}" destId="{1212A7DE-8B32-4C55-98E3-9AC17CA1E015}" srcOrd="0" destOrd="0" presId="urn:microsoft.com/office/officeart/2005/8/layout/cycle2"/>
-    <dgm:cxn modelId="{F7C886DE-CFF7-4953-83BE-6B88717A74BF}" type="presOf" srcId="{6EEA99AB-FC86-4494-8F7D-BB80EBB4FBFE}" destId="{643CC2CD-A088-4109-AE37-887F87D38887}" srcOrd="0" destOrd="0" presId="urn:microsoft.com/office/officeart/2005/8/layout/cycle2"/>
-    <dgm:cxn modelId="{872423F1-A8D6-4A90-A04A-657F3616D5F1}" type="presOf" srcId="{7F43E347-A4C1-445C-8653-5F2C29B136D5}" destId="{D04EB952-803E-430C-A884-D76E1258BD90}" srcOrd="1" destOrd="0" presId="urn:microsoft.com/office/officeart/2005/8/layout/cycle2"/>
-    <dgm:cxn modelId="{362D80FB-E283-4E2C-A19C-3F81B8C7CA78}" type="presOf" srcId="{7F43E347-A4C1-445C-8653-5F2C29B136D5}" destId="{1574F292-0337-44AF-88B5-A4724274CEC5}" srcOrd="0" destOrd="0" presId="urn:microsoft.com/office/officeart/2005/8/layout/cycle2"/>
-    <dgm:cxn modelId="{BEC842FF-488F-4733-8A30-57234BB99A3E}" srcId="{167B59DF-2952-4B34-B7A1-FB8BD2CE9EF2}" destId="{851ED4DE-CA93-4566-8CED-9D9EF2B7193A}" srcOrd="1" destOrd="0" parTransId="{AB13C0EC-B881-4DF3-9AE2-9D6E34E2C643}" sibTransId="{7F43E347-A4C1-445C-8653-5F2C29B136D5}"/>
     <dgm:cxn modelId="{0785CEED-6329-4881-9C56-FF24B1DCAC94}" type="presParOf" srcId="{119BE1D0-368C-4AC8-87A4-B19A19A84619}" destId="{643CC2CD-A088-4109-AE37-887F87D38887}" srcOrd="0" destOrd="0" presId="urn:microsoft.com/office/officeart/2005/8/layout/cycle2"/>
     <dgm:cxn modelId="{E7960FCE-CD36-4F36-BD44-06B725BAD5AF}" type="presParOf" srcId="{119BE1D0-368C-4AC8-87A4-B19A19A84619}" destId="{38B44532-39E9-4E61-8405-FFE8F316CB1B}" srcOrd="1" destOrd="0" presId="urn:microsoft.com/office/officeart/2005/8/layout/cycle2"/>
     <dgm:cxn modelId="{B7182D9F-B2F8-424C-A7DF-4E027F2F6546}" type="presParOf" srcId="{38B44532-39E9-4E61-8405-FFE8F316CB1B}" destId="{527979CF-447A-466E-896B-78F2E102EF28}" srcOrd="0" destOrd="0" presId="urn:microsoft.com/office/officeart/2005/8/layout/cycle2"/>
@@ -1256,7 +1355,7 @@
         </a:bodyPr>
         <a:lstStyle/>
         <a:p>
-          <a:pPr marL="0" lvl="0" indent="0" algn="ctr" defTabSz="933450">
+          <a:pPr lvl="0" algn="ctr" defTabSz="933450">
             <a:lnSpc>
               <a:spcPct val="90000"/>
             </a:lnSpc>
@@ -1266,7 +1365,6 @@
             <a:spcAft>
               <a:spcPct val="35000"/>
             </a:spcAft>
-            <a:buNone/>
           </a:pPr>
           <a:r>
             <a:rPr lang="en-US" sz="2100" kern="1200"/>
@@ -1329,7 +1427,7 @@
         </a:bodyPr>
         <a:lstStyle/>
         <a:p>
-          <a:pPr marL="0" lvl="0" indent="0" algn="ctr" defTabSz="755650">
+          <a:pPr lvl="0" algn="ctr" defTabSz="755650">
             <a:lnSpc>
               <a:spcPct val="90000"/>
             </a:lnSpc>
@@ -1339,7 +1437,6 @@
             <a:spcAft>
               <a:spcPct val="35000"/>
             </a:spcAft>
-            <a:buNone/>
           </a:pPr>
           <a:endParaRPr lang="en-US" sz="1700" kern="1200"/>
         </a:p>
@@ -1404,7 +1501,7 @@
         </a:bodyPr>
         <a:lstStyle/>
         <a:p>
-          <a:pPr marL="0" lvl="0" indent="0" algn="ctr" defTabSz="933450">
+          <a:pPr lvl="0" algn="ctr" defTabSz="933450">
             <a:lnSpc>
               <a:spcPct val="90000"/>
             </a:lnSpc>
@@ -1414,7 +1511,6 @@
             <a:spcAft>
               <a:spcPct val="35000"/>
             </a:spcAft>
-            <a:buNone/>
           </a:pPr>
           <a:r>
             <a:rPr lang="en-US" sz="2100" kern="1200"/>
@@ -1477,7 +1573,7 @@
         </a:bodyPr>
         <a:lstStyle/>
         <a:p>
-          <a:pPr marL="0" lvl="0" indent="0" algn="ctr" defTabSz="755650">
+          <a:pPr lvl="0" algn="ctr" defTabSz="755650">
             <a:lnSpc>
               <a:spcPct val="90000"/>
             </a:lnSpc>
@@ -1487,7 +1583,6 @@
             <a:spcAft>
               <a:spcPct val="35000"/>
             </a:spcAft>
-            <a:buNone/>
           </a:pPr>
           <a:endParaRPr lang="en-US" sz="1700" kern="1200"/>
         </a:p>
@@ -1552,7 +1647,7 @@
         </a:bodyPr>
         <a:lstStyle/>
         <a:p>
-          <a:pPr marL="0" lvl="0" indent="0" algn="ctr" defTabSz="933450">
+          <a:pPr lvl="0" algn="ctr" defTabSz="933450">
             <a:lnSpc>
               <a:spcPct val="90000"/>
             </a:lnSpc>
@@ -1562,7 +1657,6 @@
             <a:spcAft>
               <a:spcPct val="35000"/>
             </a:spcAft>
-            <a:buNone/>
           </a:pPr>
           <a:r>
             <a:rPr lang="en-US" sz="2100" kern="1200"/>
@@ -1625,7 +1719,7 @@
         </a:bodyPr>
         <a:lstStyle/>
         <a:p>
-          <a:pPr marL="0" lvl="0" indent="0" algn="ctr" defTabSz="755650">
+          <a:pPr lvl="0" algn="ctr" defTabSz="755650">
             <a:lnSpc>
               <a:spcPct val="90000"/>
             </a:lnSpc>
@@ -1635,7 +1729,6 @@
             <a:spcAft>
               <a:spcPct val="35000"/>
             </a:spcAft>
-            <a:buNone/>
           </a:pPr>
           <a:endParaRPr lang="en-US" sz="1700" kern="1200"/>
         </a:p>
@@ -1700,7 +1793,7 @@
         </a:bodyPr>
         <a:lstStyle/>
         <a:p>
-          <a:pPr marL="0" lvl="0" indent="0" algn="ctr" defTabSz="933450">
+          <a:pPr lvl="0" algn="ctr" defTabSz="933450">
             <a:lnSpc>
               <a:spcPct val="90000"/>
             </a:lnSpc>
@@ -1710,7 +1803,6 @@
             <a:spcAft>
               <a:spcPct val="35000"/>
             </a:spcAft>
-            <a:buNone/>
           </a:pPr>
           <a:r>
             <a:rPr lang="en-US" sz="2100" kern="1200"/>
@@ -1773,7 +1865,7 @@
         </a:bodyPr>
         <a:lstStyle/>
         <a:p>
-          <a:pPr marL="0" lvl="0" indent="0" algn="ctr" defTabSz="755650">
+          <a:pPr lvl="0" algn="ctr" defTabSz="755650">
             <a:lnSpc>
               <a:spcPct val="90000"/>
             </a:lnSpc>
@@ -1783,7 +1875,6 @@
             <a:spcAft>
               <a:spcPct val="35000"/>
             </a:spcAft>
-            <a:buNone/>
           </a:pPr>
           <a:endParaRPr lang="en-US" sz="1700" kern="1200"/>
         </a:p>
@@ -3042,6 +3133,440 @@
 </dgm:styleDef>
 </file>
 
+<file path=ppt/notesMasters/notesMaster1.xml><?xml version="1.0" encoding="utf-8"?>
+<p:notesMaster xmlns:a="http://schemas.openxmlformats.org/drawingml/2006/main" xmlns:r="http://schemas.openxmlformats.org/officeDocument/2006/relationships" xmlns:p="http://schemas.openxmlformats.org/presentationml/2006/main">
+  <p:cSld>
+    <p:bg>
+      <p:bgRef idx="1001">
+        <a:schemeClr val="bg1"/>
+      </p:bgRef>
+    </p:bg>
+    <p:spTree>
+      <p:nvGrpSpPr>
+        <p:cNvPr id="1" name=""/>
+        <p:cNvGrpSpPr/>
+        <p:nvPr/>
+      </p:nvGrpSpPr>
+      <p:grpSpPr>
+        <a:xfrm>
+          <a:off x="0" y="0"/>
+          <a:ext cx="0" cy="0"/>
+          <a:chOff x="0" y="0"/>
+          <a:chExt cx="0" cy="0"/>
+        </a:xfrm>
+      </p:grpSpPr>
+      <p:sp>
+        <p:nvSpPr>
+          <p:cNvPr id="2" name="Header Placeholder 1"/>
+          <p:cNvSpPr>
+            <a:spLocks noGrp="1"/>
+          </p:cNvSpPr>
+          <p:nvPr>
+            <p:ph type="hdr" sz="quarter"/>
+          </p:nvPr>
+        </p:nvSpPr>
+        <p:spPr>
+          <a:xfrm>
+            <a:off x="0" y="0"/>
+            <a:ext cx="2971800" cy="458788"/>
+          </a:xfrm>
+          <a:prstGeom prst="rect">
+            <a:avLst/>
+          </a:prstGeom>
+        </p:spPr>
+        <p:txBody>
+          <a:bodyPr vert="horz" lIns="91440" tIns="45720" rIns="91440" bIns="45720" rtlCol="0"/>
+          <a:lstStyle>
+            <a:lvl1pPr algn="l">
+              <a:defRPr sz="1200"/>
+            </a:lvl1pPr>
+          </a:lstStyle>
+          <a:p>
+            <a:endParaRPr lang="en-GB"/>
+          </a:p>
+        </p:txBody>
+      </p:sp>
+      <p:sp>
+        <p:nvSpPr>
+          <p:cNvPr id="3" name="Date Placeholder 2"/>
+          <p:cNvSpPr>
+            <a:spLocks noGrp="1"/>
+          </p:cNvSpPr>
+          <p:nvPr>
+            <p:ph type="dt" idx="1"/>
+          </p:nvPr>
+        </p:nvSpPr>
+        <p:spPr>
+          <a:xfrm>
+            <a:off x="3884613" y="0"/>
+            <a:ext cx="2971800" cy="458788"/>
+          </a:xfrm>
+          <a:prstGeom prst="rect">
+            <a:avLst/>
+          </a:prstGeom>
+        </p:spPr>
+        <p:txBody>
+          <a:bodyPr vert="horz" lIns="91440" tIns="45720" rIns="91440" bIns="45720" rtlCol="0"/>
+          <a:lstStyle>
+            <a:lvl1pPr algn="r">
+              <a:defRPr sz="1200"/>
+            </a:lvl1pPr>
+          </a:lstStyle>
+          <a:p>
+            <a:fld id="{66899A5F-8A7E-47F3-8736-CD568DDFD15E}" type="datetimeFigureOut">
+              <a:rPr lang="en-GB" smtClean="0"/>
+              <a:t>06/03/2019</a:t>
+            </a:fld>
+            <a:endParaRPr lang="en-GB"/>
+          </a:p>
+        </p:txBody>
+      </p:sp>
+      <p:sp>
+        <p:nvSpPr>
+          <p:cNvPr id="4" name="Slide Image Placeholder 3"/>
+          <p:cNvSpPr>
+            <a:spLocks noGrp="1" noRot="1" noChangeAspect="1"/>
+          </p:cNvSpPr>
+          <p:nvPr>
+            <p:ph type="sldImg" idx="2"/>
+          </p:nvPr>
+        </p:nvSpPr>
+        <p:spPr>
+          <a:xfrm>
+            <a:off x="685800" y="1143000"/>
+            <a:ext cx="5486400" cy="3086100"/>
+          </a:xfrm>
+          <a:prstGeom prst="rect">
+            <a:avLst/>
+          </a:prstGeom>
+          <a:noFill/>
+          <a:ln w="12700">
+            <a:solidFill>
+              <a:prstClr val="black"/>
+            </a:solidFill>
+          </a:ln>
+        </p:spPr>
+        <p:txBody>
+          <a:bodyPr vert="horz" lIns="91440" tIns="45720" rIns="91440" bIns="45720" rtlCol="0" anchor="ctr"/>
+          <a:lstStyle/>
+          <a:p>
+            <a:endParaRPr lang="en-GB"/>
+          </a:p>
+        </p:txBody>
+      </p:sp>
+      <p:sp>
+        <p:nvSpPr>
+          <p:cNvPr id="5" name="Notes Placeholder 4"/>
+          <p:cNvSpPr>
+            <a:spLocks noGrp="1"/>
+          </p:cNvSpPr>
+          <p:nvPr>
+            <p:ph type="body" sz="quarter" idx="3"/>
+          </p:nvPr>
+        </p:nvSpPr>
+        <p:spPr>
+          <a:xfrm>
+            <a:off x="685800" y="4400550"/>
+            <a:ext cx="5486400" cy="3600450"/>
+          </a:xfrm>
+          <a:prstGeom prst="rect">
+            <a:avLst/>
+          </a:prstGeom>
+        </p:spPr>
+        <p:txBody>
+          <a:bodyPr vert="horz" lIns="91440" tIns="45720" rIns="91440" bIns="45720" rtlCol="0"/>
+          <a:lstStyle/>
+          <a:p>
+            <a:pPr lvl="0"/>
+            <a:r>
+              <a:rPr lang="en-US" smtClean="0"/>
+              <a:t>Edit Master text styles</a:t>
+            </a:r>
+          </a:p>
+          <a:p>
+            <a:pPr lvl="1"/>
+            <a:r>
+              <a:rPr lang="en-US" smtClean="0"/>
+              <a:t>Second level</a:t>
+            </a:r>
+          </a:p>
+          <a:p>
+            <a:pPr lvl="2"/>
+            <a:r>
+              <a:rPr lang="en-US" smtClean="0"/>
+              <a:t>Third level</a:t>
+            </a:r>
+          </a:p>
+          <a:p>
+            <a:pPr lvl="3"/>
+            <a:r>
+              <a:rPr lang="en-US" smtClean="0"/>
+              <a:t>Fourth level</a:t>
+            </a:r>
+          </a:p>
+          <a:p>
+            <a:pPr lvl="4"/>
+            <a:r>
+              <a:rPr lang="en-US" smtClean="0"/>
+              <a:t>Fifth level</a:t>
+            </a:r>
+            <a:endParaRPr lang="en-GB"/>
+          </a:p>
+        </p:txBody>
+      </p:sp>
+      <p:sp>
+        <p:nvSpPr>
+          <p:cNvPr id="6" name="Footer Placeholder 5"/>
+          <p:cNvSpPr>
+            <a:spLocks noGrp="1"/>
+          </p:cNvSpPr>
+          <p:nvPr>
+            <p:ph type="ftr" sz="quarter" idx="4"/>
+          </p:nvPr>
+        </p:nvSpPr>
+        <p:spPr>
+          <a:xfrm>
+            <a:off x="0" y="8685213"/>
+            <a:ext cx="2971800" cy="458787"/>
+          </a:xfrm>
+          <a:prstGeom prst="rect">
+            <a:avLst/>
+          </a:prstGeom>
+        </p:spPr>
+        <p:txBody>
+          <a:bodyPr vert="horz" lIns="91440" tIns="45720" rIns="91440" bIns="45720" rtlCol="0" anchor="b"/>
+          <a:lstStyle>
+            <a:lvl1pPr algn="l">
+              <a:defRPr sz="1200"/>
+            </a:lvl1pPr>
+          </a:lstStyle>
+          <a:p>
+            <a:endParaRPr lang="en-GB"/>
+          </a:p>
+        </p:txBody>
+      </p:sp>
+      <p:sp>
+        <p:nvSpPr>
+          <p:cNvPr id="7" name="Slide Number Placeholder 6"/>
+          <p:cNvSpPr>
+            <a:spLocks noGrp="1"/>
+          </p:cNvSpPr>
+          <p:nvPr>
+            <p:ph type="sldNum" sz="quarter" idx="5"/>
+          </p:nvPr>
+        </p:nvSpPr>
+        <p:spPr>
+          <a:xfrm>
+            <a:off x="3884613" y="8685213"/>
+            <a:ext cx="2971800" cy="458787"/>
+          </a:xfrm>
+          <a:prstGeom prst="rect">
+            <a:avLst/>
+          </a:prstGeom>
+        </p:spPr>
+        <p:txBody>
+          <a:bodyPr vert="horz" lIns="91440" tIns="45720" rIns="91440" bIns="45720" rtlCol="0" anchor="b"/>
+          <a:lstStyle>
+            <a:lvl1pPr algn="r">
+              <a:defRPr sz="1200"/>
+            </a:lvl1pPr>
+          </a:lstStyle>
+          <a:p>
+            <a:fld id="{D30E6283-9FA6-485E-B476-0C6146C9E11D}" type="slidenum">
+              <a:rPr lang="en-GB" smtClean="0"/>
+              <a:t>‹#›</a:t>
+            </a:fld>
+            <a:endParaRPr lang="en-GB"/>
+          </a:p>
+        </p:txBody>
+      </p:sp>
+    </p:spTree>
+    <p:extLst>
+      <p:ext uri="{BB962C8B-B14F-4D97-AF65-F5344CB8AC3E}">
+        <p14:creationId xmlns:p14="http://schemas.microsoft.com/office/powerpoint/2010/main" val="857825624"/>
+      </p:ext>
+    </p:extLst>
+  </p:cSld>
+  <p:clrMap bg1="lt1" tx1="dk1" bg2="lt2" tx2="dk2" accent1="accent1" accent2="accent2" accent3="accent3" accent4="accent4" accent5="accent5" accent6="accent6" hlink="hlink" folHlink="folHlink"/>
+  <p:notesStyle>
+    <a:lvl1pPr marL="0" algn="l" defTabSz="914400" rtl="0" eaLnBrk="1" latinLnBrk="0" hangingPunct="1">
+      <a:defRPr sz="1200" kern="1200">
+        <a:solidFill>
+          <a:schemeClr val="tx1"/>
+        </a:solidFill>
+        <a:latin typeface="+mn-lt"/>
+        <a:ea typeface="+mn-ea"/>
+        <a:cs typeface="+mn-cs"/>
+      </a:defRPr>
+    </a:lvl1pPr>
+    <a:lvl2pPr marL="457200" algn="l" defTabSz="914400" rtl="0" eaLnBrk="1" latinLnBrk="0" hangingPunct="1">
+      <a:defRPr sz="1200" kern="1200">
+        <a:solidFill>
+          <a:schemeClr val="tx1"/>
+        </a:solidFill>
+        <a:latin typeface="+mn-lt"/>
+        <a:ea typeface="+mn-ea"/>
+        <a:cs typeface="+mn-cs"/>
+      </a:defRPr>
+    </a:lvl2pPr>
+    <a:lvl3pPr marL="914400" algn="l" defTabSz="914400" rtl="0" eaLnBrk="1" latinLnBrk="0" hangingPunct="1">
+      <a:defRPr sz="1200" kern="1200">
+        <a:solidFill>
+          <a:schemeClr val="tx1"/>
+        </a:solidFill>
+        <a:latin typeface="+mn-lt"/>
+        <a:ea typeface="+mn-ea"/>
+        <a:cs typeface="+mn-cs"/>
+      </a:defRPr>
+    </a:lvl3pPr>
+    <a:lvl4pPr marL="1371600" algn="l" defTabSz="914400" rtl="0" eaLnBrk="1" latinLnBrk="0" hangingPunct="1">
+      <a:defRPr sz="1200" kern="1200">
+        <a:solidFill>
+          <a:schemeClr val="tx1"/>
+        </a:solidFill>
+        <a:latin typeface="+mn-lt"/>
+        <a:ea typeface="+mn-ea"/>
+        <a:cs typeface="+mn-cs"/>
+      </a:defRPr>
+    </a:lvl4pPr>
+    <a:lvl5pPr marL="1828800" algn="l" defTabSz="914400" rtl="0" eaLnBrk="1" latinLnBrk="0" hangingPunct="1">
+      <a:defRPr sz="1200" kern="1200">
+        <a:solidFill>
+          <a:schemeClr val="tx1"/>
+        </a:solidFill>
+        <a:latin typeface="+mn-lt"/>
+        <a:ea typeface="+mn-ea"/>
+        <a:cs typeface="+mn-cs"/>
+      </a:defRPr>
+    </a:lvl5pPr>
+    <a:lvl6pPr marL="2286000" algn="l" defTabSz="914400" rtl="0" eaLnBrk="1" latinLnBrk="0" hangingPunct="1">
+      <a:defRPr sz="1200" kern="1200">
+        <a:solidFill>
+          <a:schemeClr val="tx1"/>
+        </a:solidFill>
+        <a:latin typeface="+mn-lt"/>
+        <a:ea typeface="+mn-ea"/>
+        <a:cs typeface="+mn-cs"/>
+      </a:defRPr>
+    </a:lvl6pPr>
+    <a:lvl7pPr marL="2743200" algn="l" defTabSz="914400" rtl="0" eaLnBrk="1" latinLnBrk="0" hangingPunct="1">
+      <a:defRPr sz="1200" kern="1200">
+        <a:solidFill>
+          <a:schemeClr val="tx1"/>
+        </a:solidFill>
+        <a:latin typeface="+mn-lt"/>
+        <a:ea typeface="+mn-ea"/>
+        <a:cs typeface="+mn-cs"/>
+      </a:defRPr>
+    </a:lvl7pPr>
+    <a:lvl8pPr marL="3200400" algn="l" defTabSz="914400" rtl="0" eaLnBrk="1" latinLnBrk="0" hangingPunct="1">
+      <a:defRPr sz="1200" kern="1200">
+        <a:solidFill>
+          <a:schemeClr val="tx1"/>
+        </a:solidFill>
+        <a:latin typeface="+mn-lt"/>
+        <a:ea typeface="+mn-ea"/>
+        <a:cs typeface="+mn-cs"/>
+      </a:defRPr>
+    </a:lvl8pPr>
+    <a:lvl9pPr marL="3657600" algn="l" defTabSz="914400" rtl="0" eaLnBrk="1" latinLnBrk="0" hangingPunct="1">
+      <a:defRPr sz="1200" kern="1200">
+        <a:solidFill>
+          <a:schemeClr val="tx1"/>
+        </a:solidFill>
+        <a:latin typeface="+mn-lt"/>
+        <a:ea typeface="+mn-ea"/>
+        <a:cs typeface="+mn-cs"/>
+      </a:defRPr>
+    </a:lvl9pPr>
+  </p:notesStyle>
+</p:notesMaster>
+</file>
+
+<file path=ppt/notesSlides/notesSlide1.xml><?xml version="1.0" encoding="utf-8"?>
+<p:notes xmlns:a="http://schemas.openxmlformats.org/drawingml/2006/main" xmlns:r="http://schemas.openxmlformats.org/officeDocument/2006/relationships" xmlns:p="http://schemas.openxmlformats.org/presentationml/2006/main">
+  <p:cSld>
+    <p:spTree>
+      <p:nvGrpSpPr>
+        <p:cNvPr id="1" name=""/>
+        <p:cNvGrpSpPr/>
+        <p:nvPr/>
+      </p:nvGrpSpPr>
+      <p:grpSpPr>
+        <a:xfrm>
+          <a:off x="0" y="0"/>
+          <a:ext cx="0" cy="0"/>
+          <a:chOff x="0" y="0"/>
+          <a:chExt cx="0" cy="0"/>
+        </a:xfrm>
+      </p:grpSpPr>
+      <p:sp>
+        <p:nvSpPr>
+          <p:cNvPr id="2" name="Slide Image Placeholder 1"/>
+          <p:cNvSpPr>
+            <a:spLocks noGrp="1" noRot="1" noChangeAspect="1"/>
+          </p:cNvSpPr>
+          <p:nvPr>
+            <p:ph type="sldImg"/>
+          </p:nvPr>
+        </p:nvSpPr>
+        <p:spPr/>
+      </p:sp>
+      <p:sp>
+        <p:nvSpPr>
+          <p:cNvPr id="3" name="Notes Placeholder 2"/>
+          <p:cNvSpPr>
+            <a:spLocks noGrp="1"/>
+          </p:cNvSpPr>
+          <p:nvPr>
+            <p:ph type="body" idx="1"/>
+          </p:nvPr>
+        </p:nvSpPr>
+        <p:spPr/>
+        <p:txBody>
+          <a:bodyPr/>
+          <a:lstStyle/>
+          <a:p>
+            <a:endParaRPr lang="en-GB" dirty="0"/>
+          </a:p>
+        </p:txBody>
+      </p:sp>
+      <p:sp>
+        <p:nvSpPr>
+          <p:cNvPr id="4" name="Slide Number Placeholder 3"/>
+          <p:cNvSpPr>
+            <a:spLocks noGrp="1"/>
+          </p:cNvSpPr>
+          <p:nvPr>
+            <p:ph type="sldNum" sz="quarter" idx="10"/>
+          </p:nvPr>
+        </p:nvSpPr>
+        <p:spPr/>
+        <p:txBody>
+          <a:bodyPr/>
+          <a:lstStyle/>
+          <a:p>
+            <a:fld id="{D30E6283-9FA6-485E-B476-0C6146C9E11D}" type="slidenum">
+              <a:rPr lang="en-GB" smtClean="0"/>
+              <a:t>6</a:t>
+            </a:fld>
+            <a:endParaRPr lang="en-GB"/>
+          </a:p>
+        </p:txBody>
+      </p:sp>
+    </p:spTree>
+    <p:extLst>
+      <p:ext uri="{BB962C8B-B14F-4D97-AF65-F5344CB8AC3E}">
+        <p14:creationId xmlns:p14="http://schemas.microsoft.com/office/powerpoint/2010/main" val="1040045462"/>
+      </p:ext>
+    </p:extLst>
+  </p:cSld>
+  <p:clrMapOvr>
+    <a:masterClrMapping/>
+  </p:clrMapOvr>
+</p:notes>
+</file>
+
 <file path=ppt/slideLayouts/slideLayout1.xml><?xml version="1.0" encoding="utf-8"?>
 <p:sldLayout xmlns:a="http://schemas.openxmlformats.org/drawingml/2006/main" xmlns:r="http://schemas.openxmlformats.org/officeDocument/2006/relationships" xmlns:p="http://schemas.openxmlformats.org/presentationml/2006/main" showMasterSp="0" type="title" preserve="1">
   <p:cSld name="Title Slide">
@@ -3515,7 +4040,7 @@
           <a:p>
             <a:fld id="{2C5656CC-D894-463F-96AC-05D867287655}" type="datetimeFigureOut">
               <a:rPr lang="en-US" smtClean="0"/>
-              <a:t>3/5/2019</a:t>
+              <a:t>3/6/2019</a:t>
             </a:fld>
             <a:endParaRPr lang="en-US"/>
           </a:p>
@@ -3717,7 +4242,7 @@
           <a:p>
             <a:fld id="{2C5656CC-D894-463F-96AC-05D867287655}" type="datetimeFigureOut">
               <a:rPr lang="en-US" smtClean="0"/>
-              <a:t>3/5/2019</a:t>
+              <a:t>3/6/2019</a:t>
             </a:fld>
             <a:endParaRPr lang="en-US"/>
           </a:p>
@@ -3897,7 +4422,7 @@
           <a:p>
             <a:fld id="{2C5656CC-D894-463F-96AC-05D867287655}" type="datetimeFigureOut">
               <a:rPr lang="en-US" smtClean="0"/>
-              <a:t>3/5/2019</a:t>
+              <a:t>3/6/2019</a:t>
             </a:fld>
             <a:endParaRPr lang="en-US"/>
           </a:p>
@@ -4067,7 +4592,7 @@
           <a:p>
             <a:fld id="{2C5656CC-D894-463F-96AC-05D867287655}" type="datetimeFigureOut">
               <a:rPr lang="en-US" smtClean="0"/>
-              <a:t>3/5/2019</a:t>
+              <a:t>3/6/2019</a:t>
             </a:fld>
             <a:endParaRPr lang="en-US"/>
           </a:p>
@@ -4647,7 +5172,7 @@
           <a:p>
             <a:fld id="{2C5656CC-D894-463F-96AC-05D867287655}" type="datetimeFigureOut">
               <a:rPr lang="en-US" smtClean="0"/>
-              <a:t>3/5/2019</a:t>
+              <a:t>3/6/2019</a:t>
             </a:fld>
             <a:endParaRPr lang="en-US"/>
           </a:p>
@@ -4949,7 +5474,7 @@
           <a:p>
             <a:fld id="{2C5656CC-D894-463F-96AC-05D867287655}" type="datetimeFigureOut">
               <a:rPr lang="en-US" smtClean="0"/>
-              <a:t>3/5/2019</a:t>
+              <a:t>3/6/2019</a:t>
             </a:fld>
             <a:endParaRPr lang="en-US"/>
           </a:p>
@@ -5386,7 +5911,7 @@
           <a:p>
             <a:fld id="{2C5656CC-D894-463F-96AC-05D867287655}" type="datetimeFigureOut">
               <a:rPr lang="en-US" smtClean="0"/>
-              <a:t>3/5/2019</a:t>
+              <a:t>3/6/2019</a:t>
             </a:fld>
             <a:endParaRPr lang="en-US"/>
           </a:p>
@@ -5504,7 +6029,7 @@
           <a:p>
             <a:fld id="{2C5656CC-D894-463F-96AC-05D867287655}" type="datetimeFigureOut">
               <a:rPr lang="en-US" smtClean="0"/>
-              <a:t>3/5/2019</a:t>
+              <a:t>3/6/2019</a:t>
             </a:fld>
             <a:endParaRPr lang="en-US"/>
           </a:p>
@@ -5599,7 +6124,7 @@
           <a:p>
             <a:fld id="{2C5656CC-D894-463F-96AC-05D867287655}" type="datetimeFigureOut">
               <a:rPr lang="en-US" smtClean="0"/>
-              <a:t>3/5/2019</a:t>
+              <a:t>3/6/2019</a:t>
             </a:fld>
             <a:endParaRPr lang="en-US"/>
           </a:p>
@@ -5943,7 +6468,7 @@
           <a:p>
             <a:fld id="{2C5656CC-D894-463F-96AC-05D867287655}" type="datetimeFigureOut">
               <a:rPr lang="en-US" smtClean="0"/>
-              <a:t>3/5/2019</a:t>
+              <a:t>3/6/2019</a:t>
             </a:fld>
             <a:endParaRPr lang="en-US"/>
           </a:p>
@@ -6332,7 +6857,7 @@
           <a:p>
             <a:fld id="{2C5656CC-D894-463F-96AC-05D867287655}" type="datetimeFigureOut">
               <a:rPr lang="en-US" smtClean="0"/>
-              <a:t>3/5/2019</a:t>
+              <a:t>3/6/2019</a:t>
             </a:fld>
             <a:endParaRPr lang="en-US"/>
           </a:p>
@@ -6640,7 +7165,7 @@
           <a:p>
             <a:fld id="{2C5656CC-D894-463F-96AC-05D867287655}" type="datetimeFigureOut">
               <a:rPr lang="en-US" smtClean="0"/>
-              <a:t>3/5/2019</a:t>
+              <a:t>3/6/2019</a:t>
             </a:fld>
             <a:endParaRPr lang="en-US"/>
           </a:p>
@@ -7252,6 +7777,13 @@
   <p:clrMapOvr>
     <a:masterClrMapping/>
   </p:clrMapOvr>
+  <p:timing>
+    <p:tnLst>
+      <p:par>
+        <p:cTn id="1" dur="indefinite" restart="never" nodeType="tmRoot"/>
+      </p:par>
+    </p:tnLst>
+  </p:timing>
 </p:sld>
 </file>
 
@@ -7429,6 +7961,13 @@
   <p:clrMapOvr>
     <a:masterClrMapping/>
   </p:clrMapOvr>
+  <p:timing>
+    <p:tnLst>
+      <p:par>
+        <p:cTn id="1" dur="indefinite" restart="never" nodeType="tmRoot"/>
+      </p:par>
+    </p:tnLst>
+  </p:timing>
 </p:sld>
 </file>
 
@@ -7511,7 +8050,7 @@
                 <a:blip r:embed="rId2">
                   <a:extLst>
                     <a:ext uri="{96DAC541-7B7A-43D3-8B79-37D633B846F1}">
-                      <asvg:svgBlip xmlns:asvg="http://schemas.microsoft.com/office/drawing/2016/SVG/main" r:embed="rId3"/>
+                      <asvg:svgBlip xmlns:asvg="http://schemas.microsoft.com/office/drawing/2016/SVG/main" xmlns="" r:embed="rId3"/>
                     </a:ext>
                   </a:extLst>
                 </a:blip>
@@ -7528,7 +8067,7 @@
                 <a:blip r:embed="rId2">
                   <a:extLst>
                     <a:ext uri="{96DAC541-7B7A-43D3-8B79-37D633B846F1}">
-                      <asvg:svgBlip xmlns:asvg="http://schemas.microsoft.com/office/drawing/2016/SVG/main" r:embed="rId3"/>
+                      <asvg:svgBlip xmlns:asvg="http://schemas.microsoft.com/office/drawing/2016/SVG/main" xmlns="" r:embed="rId3"/>
                     </a:ext>
                   </a:extLst>
                 </a:blip>
@@ -7545,7 +8084,7 @@
                 <a:blip r:embed="rId2">
                   <a:extLst>
                     <a:ext uri="{96DAC541-7B7A-43D3-8B79-37D633B846F1}">
-                      <asvg:svgBlip xmlns:asvg="http://schemas.microsoft.com/office/drawing/2016/SVG/main" r:embed="rId3"/>
+                      <asvg:svgBlip xmlns:asvg="http://schemas.microsoft.com/office/drawing/2016/SVG/main" xmlns="" r:embed="rId3"/>
                     </a:ext>
                   </a:extLst>
                 </a:blip>
@@ -7562,7 +8101,7 @@
                 <a:blip r:embed="rId2">
                   <a:extLst>
                     <a:ext uri="{96DAC541-7B7A-43D3-8B79-37D633B846F1}">
-                      <asvg:svgBlip xmlns:asvg="http://schemas.microsoft.com/office/drawing/2016/SVG/main" r:embed="rId3"/>
+                      <asvg:svgBlip xmlns:asvg="http://schemas.microsoft.com/office/drawing/2016/SVG/main" xmlns="" r:embed="rId3"/>
                     </a:ext>
                   </a:extLst>
                 </a:blip>
@@ -7579,7 +8118,7 @@
                 <a:blip r:embed="rId2">
                   <a:extLst>
                     <a:ext uri="{96DAC541-7B7A-43D3-8B79-37D633B846F1}">
-                      <asvg:svgBlip xmlns:asvg="http://schemas.microsoft.com/office/drawing/2016/SVG/main" r:embed="rId3"/>
+                      <asvg:svgBlip xmlns:asvg="http://schemas.microsoft.com/office/drawing/2016/SVG/main" xmlns="" r:embed="rId3"/>
                     </a:ext>
                   </a:extLst>
                 </a:blip>
@@ -7659,6 +8198,13 @@
   <p:clrMapOvr>
     <a:masterClrMapping/>
   </p:clrMapOvr>
+  <p:timing>
+    <p:tnLst>
+      <p:par>
+        <p:cTn id="1" dur="indefinite" restart="never" nodeType="tmRoot"/>
+      </p:par>
+    </p:tnLst>
+  </p:timing>
 </p:sld>
 </file>
 
@@ -7828,6 +8374,13 @@
   <p:clrMapOvr>
     <a:masterClrMapping/>
   </p:clrMapOvr>
+  <p:timing>
+    <p:tnLst>
+      <p:par>
+        <p:cTn id="1" dur="indefinite" restart="never" nodeType="tmRoot"/>
+      </p:par>
+    </p:tnLst>
+  </p:timing>
 </p:sld>
 </file>
 
@@ -8138,6 +8691,13 @@
   <p:clrMapOvr>
     <a:masterClrMapping/>
   </p:clrMapOvr>
+  <p:timing>
+    <p:tnLst>
+      <p:par>
+        <p:cTn id="1" dur="indefinite" restart="never" nodeType="tmRoot"/>
+      </p:par>
+    </p:tnLst>
+  </p:timing>
 </p:sld>
 </file>
 
@@ -8158,56 +8718,32 @@
           <a:chExt cx="0" cy="0"/>
         </a:xfrm>
       </p:grpSpPr>
-      <p:sp>
-        <p:nvSpPr>
-          <p:cNvPr id="2" name="Title 1">
-            <a:extLst>
-              <a:ext uri="{FF2B5EF4-FFF2-40B4-BE49-F238E27FC236}">
-                <a16:creationId xmlns:a16="http://schemas.microsoft.com/office/drawing/2014/main" id="{C1F81F7C-B977-4812-918B-624D018DAFE1}"/>
-              </a:ext>
-            </a:extLst>
-          </p:cNvPr>
-          <p:cNvSpPr>
-            <a:spLocks noGrp="1"/>
-          </p:cNvSpPr>
+      <p:pic>
+        <p:nvPicPr>
+          <p:cNvPr id="4" name="hAZUEgPwBEs"/>
+          <p:cNvPicPr>
+            <a:picLocks noRot="1" noChangeAspect="1"/>
+          </p:cNvPicPr>
           <p:nvPr>
-            <p:ph type="title"/>
+            <a:videoFile r:link="rId1"/>
           </p:nvPr>
-        </p:nvSpPr>
-        <p:spPr/>
-        <p:txBody>
-          <a:bodyPr/>
-          <a:lstStyle/>
-          <a:p>
-            <a:endParaRPr lang="en-US" dirty="0"/>
-          </a:p>
-        </p:txBody>
-      </p:sp>
-      <p:sp>
-        <p:nvSpPr>
-          <p:cNvPr id="3" name="Content Placeholder 2">
-            <a:extLst>
-              <a:ext uri="{FF2B5EF4-FFF2-40B4-BE49-F238E27FC236}">
-                <a16:creationId xmlns:a16="http://schemas.microsoft.com/office/drawing/2014/main" id="{D7439388-3B54-4ACB-80D2-63D06565CD73}"/>
-              </a:ext>
-            </a:extLst>
-          </p:cNvPr>
-          <p:cNvSpPr>
-            <a:spLocks noGrp="1"/>
-          </p:cNvSpPr>
-          <p:nvPr>
-            <p:ph idx="1"/>
-          </p:nvPr>
-        </p:nvSpPr>
-        <p:spPr/>
-        <p:txBody>
-          <a:bodyPr/>
-          <a:lstStyle/>
-          <a:p>
-            <a:endParaRPr lang="en-US"/>
-          </a:p>
-        </p:txBody>
-      </p:sp>
+        </p:nvPicPr>
+        <p:blipFill>
+          <a:blip r:embed="rId4"/>
+          <a:stretch>
+            <a:fillRect/>
+          </a:stretch>
+        </p:blipFill>
+        <p:spPr>
+          <a:xfrm>
+            <a:off x="686790" y="385577"/>
+            <a:ext cx="10832275" cy="6093155"/>
+          </a:xfrm>
+          <a:prstGeom prst="rect">
+            <a:avLst/>
+          </a:prstGeom>
+        </p:spPr>
+      </p:pic>
     </p:spTree>
     <p:extLst>
       <p:ext uri="{BB962C8B-B14F-4D97-AF65-F5344CB8AC3E}">
@@ -8218,6 +8754,86 @@
   <p:clrMapOvr>
     <a:masterClrMapping/>
   </p:clrMapOvr>
+  <p:timing>
+    <p:tnLst>
+      <p:par>
+        <p:cTn id="1" dur="indefinite" restart="never" nodeType="tmRoot">
+          <p:childTnLst>
+            <p:seq concurrent="1" nextAc="seek">
+              <p:cTn id="2" restart="whenNotActive" fill="hold" evtFilter="cancelBubble" nodeType="interactiveSeq">
+                <p:stCondLst>
+                  <p:cond evt="onClick" delay="0">
+                    <p:tgtEl>
+                      <p:spTgt spid="4"/>
+                    </p:tgtEl>
+                  </p:cond>
+                </p:stCondLst>
+                <p:endSync evt="end" delay="0">
+                  <p:rtn val="all"/>
+                </p:endSync>
+                <p:childTnLst>
+                  <p:par>
+                    <p:cTn id="3" fill="hold">
+                      <p:stCondLst>
+                        <p:cond delay="0"/>
+                      </p:stCondLst>
+                      <p:childTnLst>
+                        <p:par>
+                          <p:cTn id="4" fill="hold">
+                            <p:stCondLst>
+                              <p:cond delay="0"/>
+                            </p:stCondLst>
+                            <p:childTnLst>
+                              <p:par>
+                                <p:cTn id="5" presetID="2" presetClass="mediacall" presetSubtype="0" fill="hold" nodeType="clickEffect">
+                                  <p:stCondLst>
+                                    <p:cond delay="0"/>
+                                  </p:stCondLst>
+                                  <p:childTnLst>
+                                    <p:cmd type="call" cmd="togglePause">
+                                      <p:cBhvr>
+                                        <p:cTn id="6" dur="1" fill="hold"/>
+                                        <p:tgtEl>
+                                          <p:spTgt spid="4"/>
+                                        </p:tgtEl>
+                                      </p:cBhvr>
+                                    </p:cmd>
+                                  </p:childTnLst>
+                                </p:cTn>
+                              </p:par>
+                            </p:childTnLst>
+                          </p:cTn>
+                        </p:par>
+                      </p:childTnLst>
+                    </p:cTn>
+                  </p:par>
+                </p:childTnLst>
+              </p:cTn>
+              <p:nextCondLst>
+                <p:cond evt="onClick" delay="0">
+                  <p:tgtEl>
+                    <p:spTgt spid="4"/>
+                  </p:tgtEl>
+                </p:cond>
+              </p:nextCondLst>
+            </p:seq>
+            <p:video>
+              <p:cMediaNode>
+                <p:cTn id="7" fill="hold" display="0">
+                  <p:stCondLst>
+                    <p:cond delay="indefinite"/>
+                  </p:stCondLst>
+                </p:cTn>
+                <p:tgtEl>
+                  <p:spTgt spid="4"/>
+                </p:tgtEl>
+              </p:cMediaNode>
+            </p:video>
+          </p:childTnLst>
+        </p:cTn>
+      </p:par>
+    </p:tnLst>
+  </p:timing>
 </p:sld>
 </file>
 
@@ -8394,7 +9010,7 @@
           <p:nvPr/>
         </p:nvPicPr>
         <p:blipFill>
-          <a:blip r:embed="rId5">
+          <a:blip r:embed="rId5" cstate="hqprint">
             <a:extLst>
               <a:ext uri="{28A0092B-C50C-407E-A947-70E740481C1C}">
                 <a14:useLocalDpi xmlns:a14="http://schemas.microsoft.com/office/drawing/2010/main" val="0"/>
@@ -8437,6 +9053,13 @@
   <p:clrMapOvr>
     <a:masterClrMapping/>
   </p:clrMapOvr>
+  <p:timing>
+    <p:tnLst>
+      <p:par>
+        <p:cTn id="1" dur="indefinite" restart="never" nodeType="tmRoot"/>
+      </p:par>
+    </p:tnLst>
+  </p:timing>
 </p:sld>
 </file>
 
@@ -8714,4 +9337,265 @@
     </a:ext>
   </a:extLst>
 </a:theme>
+</file>
+
+<file path=ppt/theme/theme2.xml><?xml version="1.0" encoding="utf-8"?>
+<a:theme xmlns:a="http://schemas.openxmlformats.org/drawingml/2006/main" name="Office Theme">
+  <a:themeElements>
+    <a:clrScheme name="Office">
+      <a:dk1>
+        <a:sysClr val="windowText" lastClr="000000"/>
+      </a:dk1>
+      <a:lt1>
+        <a:sysClr val="window" lastClr="FFFFFF"/>
+      </a:lt1>
+      <a:dk2>
+        <a:srgbClr val="44546A"/>
+      </a:dk2>
+      <a:lt2>
+        <a:srgbClr val="E7E6E6"/>
+      </a:lt2>
+      <a:accent1>
+        <a:srgbClr val="5B9BD5"/>
+      </a:accent1>
+      <a:accent2>
+        <a:srgbClr val="ED7D31"/>
+      </a:accent2>
+      <a:accent3>
+        <a:srgbClr val="A5A5A5"/>
+      </a:accent3>
+      <a:accent4>
+        <a:srgbClr val="FFC000"/>
+      </a:accent4>
+      <a:accent5>
+        <a:srgbClr val="4472C4"/>
+      </a:accent5>
+      <a:accent6>
+        <a:srgbClr val="70AD47"/>
+      </a:accent6>
+      <a:hlink>
+        <a:srgbClr val="0563C1"/>
+      </a:hlink>
+      <a:folHlink>
+        <a:srgbClr val="954F72"/>
+      </a:folHlink>
+    </a:clrScheme>
+    <a:fontScheme name="Office">
+      <a:majorFont>
+        <a:latin typeface="Calibri Light" panose="020F0302020204030204"/>
+        <a:ea typeface=""/>
+        <a:cs typeface=""/>
+        <a:font script="Jpan" typeface="游ゴシック Light"/>
+        <a:font script="Hang" typeface="맑은 고딕"/>
+        <a:font script="Hans" typeface="等线 Light"/>
+        <a:font script="Hant" typeface="新細明體"/>
+        <a:font script="Arab" typeface="Times New Roman"/>
+        <a:font script="Hebr" typeface="Times New Roman"/>
+        <a:font script="Thai" typeface="Angsana New"/>
+        <a:font script="Ethi" typeface="Nyala"/>
+        <a:font script="Beng" typeface="Vrinda"/>
+        <a:font script="Gujr" typeface="Shruti"/>
+        <a:font script="Khmr" typeface="MoolBoran"/>
+        <a:font script="Knda" typeface="Tunga"/>
+        <a:font script="Guru" typeface="Raavi"/>
+        <a:font script="Cans" typeface="Euphemia"/>
+        <a:font script="Cher" typeface="Plantagenet Cherokee"/>
+        <a:font script="Yiii" typeface="Microsoft Yi Baiti"/>
+        <a:font script="Tibt" typeface="Microsoft Himalaya"/>
+        <a:font script="Thaa" typeface="MV Boli"/>
+        <a:font script="Deva" typeface="Mangal"/>
+        <a:font script="Telu" typeface="Gautami"/>
+        <a:font script="Taml" typeface="Latha"/>
+        <a:font script="Syrc" typeface="Estrangelo Edessa"/>
+        <a:font script="Orya" typeface="Kalinga"/>
+        <a:font script="Mlym" typeface="Kartika"/>
+        <a:font script="Laoo" typeface="DokChampa"/>
+        <a:font script="Sinh" typeface="Iskoola Pota"/>
+        <a:font script="Mong" typeface="Mongolian Baiti"/>
+        <a:font script="Viet" typeface="Times New Roman"/>
+        <a:font script="Uigh" typeface="Microsoft Uighur"/>
+        <a:font script="Geor" typeface="Sylfaen"/>
+      </a:majorFont>
+      <a:minorFont>
+        <a:latin typeface="Calibri" panose="020F0502020204030204"/>
+        <a:ea typeface=""/>
+        <a:cs typeface=""/>
+        <a:font script="Jpan" typeface="游ゴシック"/>
+        <a:font script="Hang" typeface="맑은 고딕"/>
+        <a:font script="Hans" typeface="等线"/>
+        <a:font script="Hant" typeface="新細明體"/>
+        <a:font script="Arab" typeface="Arial"/>
+        <a:font script="Hebr" typeface="Arial"/>
+        <a:font script="Thai" typeface="Cordia New"/>
+        <a:font script="Ethi" typeface="Nyala"/>
+        <a:font script="Beng" typeface="Vrinda"/>
+        <a:font script="Gujr" typeface="Shruti"/>
+        <a:font script="Khmr" typeface="DaunPenh"/>
+        <a:font script="Knda" typeface="Tunga"/>
+        <a:font script="Guru" typeface="Raavi"/>
+        <a:font script="Cans" typeface="Euphemia"/>
+        <a:font script="Cher" typeface="Plantagenet Cherokee"/>
+        <a:font script="Yiii" typeface="Microsoft Yi Baiti"/>
+        <a:font script="Tibt" typeface="Microsoft Himalaya"/>
+        <a:font script="Thaa" typeface="MV Boli"/>
+        <a:font script="Deva" typeface="Mangal"/>
+        <a:font script="Telu" typeface="Gautami"/>
+        <a:font script="Taml" typeface="Latha"/>
+        <a:font script="Syrc" typeface="Estrangelo Edessa"/>
+        <a:font script="Orya" typeface="Kalinga"/>
+        <a:font script="Mlym" typeface="Kartika"/>
+        <a:font script="Laoo" typeface="DokChampa"/>
+        <a:font script="Sinh" typeface="Iskoola Pota"/>
+        <a:font script="Mong" typeface="Mongolian Baiti"/>
+        <a:font script="Viet" typeface="Arial"/>
+        <a:font script="Uigh" typeface="Microsoft Uighur"/>
+        <a:font script="Geor" typeface="Sylfaen"/>
+      </a:minorFont>
+    </a:fontScheme>
+    <a:fmtScheme name="Office">
+      <a:fillStyleLst>
+        <a:solidFill>
+          <a:schemeClr val="phClr"/>
+        </a:solidFill>
+        <a:gradFill rotWithShape="1">
+          <a:gsLst>
+            <a:gs pos="0">
+              <a:schemeClr val="phClr">
+                <a:lumMod val="110000"/>
+                <a:satMod val="105000"/>
+                <a:tint val="67000"/>
+              </a:schemeClr>
+            </a:gs>
+            <a:gs pos="50000">
+              <a:schemeClr val="phClr">
+                <a:lumMod val="105000"/>
+                <a:satMod val="103000"/>
+                <a:tint val="73000"/>
+              </a:schemeClr>
+            </a:gs>
+            <a:gs pos="100000">
+              <a:schemeClr val="phClr">
+                <a:lumMod val="105000"/>
+                <a:satMod val="109000"/>
+                <a:tint val="81000"/>
+              </a:schemeClr>
+            </a:gs>
+          </a:gsLst>
+          <a:lin ang="5400000" scaled="0"/>
+        </a:gradFill>
+        <a:gradFill rotWithShape="1">
+          <a:gsLst>
+            <a:gs pos="0">
+              <a:schemeClr val="phClr">
+                <a:satMod val="103000"/>
+                <a:lumMod val="102000"/>
+                <a:tint val="94000"/>
+              </a:schemeClr>
+            </a:gs>
+            <a:gs pos="50000">
+              <a:schemeClr val="phClr">
+                <a:satMod val="110000"/>
+                <a:lumMod val="100000"/>
+                <a:shade val="100000"/>
+              </a:schemeClr>
+            </a:gs>
+            <a:gs pos="100000">
+              <a:schemeClr val="phClr">
+                <a:lumMod val="99000"/>
+                <a:satMod val="120000"/>
+                <a:shade val="78000"/>
+              </a:schemeClr>
+            </a:gs>
+          </a:gsLst>
+          <a:lin ang="5400000" scaled="0"/>
+        </a:gradFill>
+      </a:fillStyleLst>
+      <a:lnStyleLst>
+        <a:ln w="6350" cap="flat" cmpd="sng" algn="ctr">
+          <a:solidFill>
+            <a:schemeClr val="phClr"/>
+          </a:solidFill>
+          <a:prstDash val="solid"/>
+          <a:miter lim="800000"/>
+        </a:ln>
+        <a:ln w="12700" cap="flat" cmpd="sng" algn="ctr">
+          <a:solidFill>
+            <a:schemeClr val="phClr"/>
+          </a:solidFill>
+          <a:prstDash val="solid"/>
+          <a:miter lim="800000"/>
+        </a:ln>
+        <a:ln w="19050" cap="flat" cmpd="sng" algn="ctr">
+          <a:solidFill>
+            <a:schemeClr val="phClr"/>
+          </a:solidFill>
+          <a:prstDash val="solid"/>
+          <a:miter lim="800000"/>
+        </a:ln>
+      </a:lnStyleLst>
+      <a:effectStyleLst>
+        <a:effectStyle>
+          <a:effectLst/>
+        </a:effectStyle>
+        <a:effectStyle>
+          <a:effectLst/>
+        </a:effectStyle>
+        <a:effectStyle>
+          <a:effectLst>
+            <a:outerShdw blurRad="57150" dist="19050" dir="5400000" algn="ctr" rotWithShape="0">
+              <a:srgbClr val="000000">
+                <a:alpha val="63000"/>
+              </a:srgbClr>
+            </a:outerShdw>
+          </a:effectLst>
+        </a:effectStyle>
+      </a:effectStyleLst>
+      <a:bgFillStyleLst>
+        <a:solidFill>
+          <a:schemeClr val="phClr"/>
+        </a:solidFill>
+        <a:solidFill>
+          <a:schemeClr val="phClr">
+            <a:tint val="95000"/>
+            <a:satMod val="170000"/>
+          </a:schemeClr>
+        </a:solidFill>
+        <a:gradFill rotWithShape="1">
+          <a:gsLst>
+            <a:gs pos="0">
+              <a:schemeClr val="phClr">
+                <a:tint val="93000"/>
+                <a:satMod val="150000"/>
+                <a:shade val="98000"/>
+                <a:lumMod val="102000"/>
+              </a:schemeClr>
+            </a:gs>
+            <a:gs pos="50000">
+              <a:schemeClr val="phClr">
+                <a:tint val="98000"/>
+                <a:satMod val="130000"/>
+                <a:shade val="90000"/>
+                <a:lumMod val="103000"/>
+              </a:schemeClr>
+            </a:gs>
+            <a:gs pos="100000">
+              <a:schemeClr val="phClr">
+                <a:shade val="63000"/>
+                <a:satMod val="120000"/>
+              </a:schemeClr>
+            </a:gs>
+          </a:gsLst>
+          <a:lin ang="5400000" scaled="0"/>
+        </a:gradFill>
+      </a:bgFillStyleLst>
+    </a:fmtScheme>
+  </a:themeElements>
+  <a:objectDefaults/>
+  <a:extraClrSchemeLst/>
+  <a:extLst>
+    <a:ext uri="{05A4C25C-085E-4340-85A3-A5531E510DB2}">
+      <thm15:themeFamily xmlns:thm15="http://schemas.microsoft.com/office/thememl/2012/main" name="Office Theme" id="{62F939B6-93AF-4DB8-9C6B-D6C7DFDC589F}" vid="{4A3C46E8-61CC-4603-A589-7422A47A8E4A}"/>
+    </a:ext>
+  </a:extLst>
+</a:theme>
 </file>
--- a/Powerpoint/Group 23_presentation(1)_not complete.pptx
+++ b/Powerpoint/Group 23_presentation(1)_not complete.pptx
@@ -8050,7 +8050,7 @@
                 <a:blip r:embed="rId2">
                   <a:extLst>
                     <a:ext uri="{96DAC541-7B7A-43D3-8B79-37D633B846F1}">
-                      <asvg:svgBlip xmlns:asvg="http://schemas.microsoft.com/office/drawing/2016/SVG/main" xmlns="" r:embed="rId3"/>
+                      <asvg:svgBlip xmlns="" xmlns:asvg="http://schemas.microsoft.com/office/drawing/2016/SVG/main" r:embed="rId3"/>
                     </a:ext>
                   </a:extLst>
                 </a:blip>
@@ -8067,7 +8067,7 @@
                 <a:blip r:embed="rId2">
                   <a:extLst>
                     <a:ext uri="{96DAC541-7B7A-43D3-8B79-37D633B846F1}">
-                      <asvg:svgBlip xmlns:asvg="http://schemas.microsoft.com/office/drawing/2016/SVG/main" xmlns="" r:embed="rId3"/>
+                      <asvg:svgBlip xmlns="" xmlns:asvg="http://schemas.microsoft.com/office/drawing/2016/SVG/main" r:embed="rId3"/>
                     </a:ext>
                   </a:extLst>
                 </a:blip>
@@ -8084,7 +8084,7 @@
                 <a:blip r:embed="rId2">
                   <a:extLst>
                     <a:ext uri="{96DAC541-7B7A-43D3-8B79-37D633B846F1}">
-                      <asvg:svgBlip xmlns:asvg="http://schemas.microsoft.com/office/drawing/2016/SVG/main" xmlns="" r:embed="rId3"/>
+                      <asvg:svgBlip xmlns="" xmlns:asvg="http://schemas.microsoft.com/office/drawing/2016/SVG/main" r:embed="rId3"/>
                     </a:ext>
                   </a:extLst>
                 </a:blip>
@@ -8101,7 +8101,7 @@
                 <a:blip r:embed="rId2">
                   <a:extLst>
                     <a:ext uri="{96DAC541-7B7A-43D3-8B79-37D633B846F1}">
-                      <asvg:svgBlip xmlns:asvg="http://schemas.microsoft.com/office/drawing/2016/SVG/main" xmlns="" r:embed="rId3"/>
+                      <asvg:svgBlip xmlns="" xmlns:asvg="http://schemas.microsoft.com/office/drawing/2016/SVG/main" r:embed="rId3"/>
                     </a:ext>
                   </a:extLst>
                 </a:blip>
@@ -8118,7 +8118,7 @@
                 <a:blip r:embed="rId2">
                   <a:extLst>
                     <a:ext uri="{96DAC541-7B7A-43D3-8B79-37D633B846F1}">
-                      <asvg:svgBlip xmlns:asvg="http://schemas.microsoft.com/office/drawing/2016/SVG/main" xmlns="" r:embed="rId3"/>
+                      <asvg:svgBlip xmlns="" xmlns:asvg="http://schemas.microsoft.com/office/drawing/2016/SVG/main" r:embed="rId3"/>
                     </a:ext>
                   </a:extLst>
                 </a:blip>

--- a/Powerpoint/Group 23_presentation(1)_not complete.pptx
+++ b/Powerpoint/Group 23_presentation(1)_not complete.pptx
@@ -5,7 +5,7 @@
     <p:sldMasterId id="2147483672" r:id="rId1"/>
   </p:sldMasterIdLst>
   <p:notesMasterIdLst>
-    <p:notesMasterId r:id="rId9"/>
+    <p:notesMasterId r:id="rId11"/>
   </p:notesMasterIdLst>
   <p:sldIdLst>
     <p:sldId id="258" r:id="rId2"/>
@@ -15,6 +15,8 @@
     <p:sldId id="261" r:id="rId6"/>
     <p:sldId id="263" r:id="rId7"/>
     <p:sldId id="262" r:id="rId8"/>
+    <p:sldId id="264" r:id="rId9"/>
+    <p:sldId id="265" r:id="rId10"/>
   </p:sldIdLst>
   <p:sldSz cx="12192000" cy="6858000"/>
   <p:notesSz cx="6858000" cy="9144000"/>
@@ -8050,7 +8052,7 @@
                 <a:blip r:embed="rId2">
                   <a:extLst>
                     <a:ext uri="{96DAC541-7B7A-43D3-8B79-37D633B846F1}">
-                      <asvg:svgBlip xmlns="" xmlns:asvg="http://schemas.microsoft.com/office/drawing/2016/SVG/main" r:embed="rId3"/>
+                      <asvg:svgBlip xmlns:asvg="http://schemas.microsoft.com/office/drawing/2016/SVG/main" xmlns="" r:embed="rId3"/>
                     </a:ext>
                   </a:extLst>
                 </a:blip>
@@ -8067,7 +8069,7 @@
                 <a:blip r:embed="rId2">
                   <a:extLst>
                     <a:ext uri="{96DAC541-7B7A-43D3-8B79-37D633B846F1}">
-                      <asvg:svgBlip xmlns="" xmlns:asvg="http://schemas.microsoft.com/office/drawing/2016/SVG/main" r:embed="rId3"/>
+                      <asvg:svgBlip xmlns:asvg="http://schemas.microsoft.com/office/drawing/2016/SVG/main" xmlns="" r:embed="rId3"/>
                     </a:ext>
                   </a:extLst>
                 </a:blip>
@@ -8084,7 +8086,7 @@
                 <a:blip r:embed="rId2">
                   <a:extLst>
                     <a:ext uri="{96DAC541-7B7A-43D3-8B79-37D633B846F1}">
-                      <asvg:svgBlip xmlns="" xmlns:asvg="http://schemas.microsoft.com/office/drawing/2016/SVG/main" r:embed="rId3"/>
+                      <asvg:svgBlip xmlns:asvg="http://schemas.microsoft.com/office/drawing/2016/SVG/main" xmlns="" r:embed="rId3"/>
                     </a:ext>
                   </a:extLst>
                 </a:blip>
@@ -8101,7 +8103,7 @@
                 <a:blip r:embed="rId2">
                   <a:extLst>
                     <a:ext uri="{96DAC541-7B7A-43D3-8B79-37D633B846F1}">
-                      <asvg:svgBlip xmlns="" xmlns:asvg="http://schemas.microsoft.com/office/drawing/2016/SVG/main" r:embed="rId3"/>
+                      <asvg:svgBlip xmlns:asvg="http://schemas.microsoft.com/office/drawing/2016/SVG/main" xmlns="" r:embed="rId3"/>
                     </a:ext>
                   </a:extLst>
                 </a:blip>
@@ -8118,7 +8120,7 @@
                 <a:blip r:embed="rId2">
                   <a:extLst>
                     <a:ext uri="{96DAC541-7B7A-43D3-8B79-37D633B846F1}">
-                      <asvg:svgBlip xmlns="" xmlns:asvg="http://schemas.microsoft.com/office/drawing/2016/SVG/main" r:embed="rId3"/>
+                      <asvg:svgBlip xmlns:asvg="http://schemas.microsoft.com/office/drawing/2016/SVG/main" xmlns="" r:embed="rId3"/>
                     </a:ext>
                   </a:extLst>
                 </a:blip>
@@ -8872,7 +8874,7 @@
         </p:nvSpPr>
         <p:spPr>
           <a:xfrm>
-            <a:off x="954156" y="778157"/>
+            <a:off x="3396910" y="477711"/>
             <a:ext cx="4676730" cy="1371600"/>
           </a:xfrm>
         </p:spPr>
@@ -8888,56 +8890,6 @@
           </a:p>
         </p:txBody>
       </p:sp>
-      <p:pic>
-        <p:nvPicPr>
-          <p:cNvPr id="5" name="Content Placeholder 4">
-            <a:extLst>
-              <a:ext uri="{FF2B5EF4-FFF2-40B4-BE49-F238E27FC236}">
-                <a16:creationId xmlns:a16="http://schemas.microsoft.com/office/drawing/2014/main" id="{D37BDA58-BD8D-43A6-BB95-D07F353C9674}"/>
-              </a:ext>
-            </a:extLst>
-          </p:cNvPr>
-          <p:cNvPicPr>
-            <a:picLocks noGrp="1" noChangeAspect="1"/>
-          </p:cNvPicPr>
-          <p:nvPr>
-            <p:ph idx="1"/>
-          </p:nvPr>
-        </p:nvPicPr>
-        <p:blipFill>
-          <a:blip r:embed="rId2">
-            <a:extLst>
-              <a:ext uri="{28A0092B-C50C-407E-A947-70E740481C1C}">
-                <a14:useLocalDpi xmlns:a14="http://schemas.microsoft.com/office/drawing/2010/main" val="0"/>
-              </a:ext>
-            </a:extLst>
-          </a:blip>
-          <a:stretch>
-            <a:fillRect/>
-          </a:stretch>
-        </p:blipFill>
-        <p:spPr>
-          <a:xfrm>
-            <a:off x="6319342" y="584535"/>
-            <a:ext cx="2884418" cy="2160652"/>
-          </a:xfrm>
-          <a:prstGeom prst="rect">
-            <a:avLst/>
-          </a:prstGeom>
-          <a:ln w="88900" cap="sq" cmpd="thickThin">
-            <a:solidFill>
-              <a:srgbClr val="000000"/>
-            </a:solidFill>
-            <a:prstDash val="solid"/>
-            <a:miter lim="800000"/>
-          </a:ln>
-          <a:effectLst>
-            <a:innerShdw blurRad="76200">
-              <a:srgbClr val="000000"/>
-            </a:innerShdw>
-          </a:effectLst>
-        </p:spPr>
-      </p:pic>
       <p:pic>
         <p:nvPicPr>
           <p:cNvPr id="7" name="Picture 6">
@@ -8953,11 +8905,11 @@
           <p:nvPr/>
         </p:nvPicPr>
         <p:blipFill>
-          <a:blip r:embed="rId3">
+          <a:blip r:embed="rId2">
             <a:extLst>
               <a:ext uri="{BEBA8EAE-BF5A-486C-A8C5-ECC9F3942E4B}">
                 <a14:imgProps xmlns:a14="http://schemas.microsoft.com/office/drawing/2010/main">
-                  <a14:imgLayer r:embed="rId4">
+                  <a14:imgLayer r:embed="rId3">
                     <a14:imgEffect>
                       <a14:colorTemperature colorTemp="4700"/>
                     </a14:imgEffect>
@@ -8975,8 +8927,8 @@
         </p:blipFill>
         <p:spPr>
           <a:xfrm>
-            <a:off x="723608" y="2544417"/>
-            <a:ext cx="5372392" cy="3697242"/>
+            <a:off x="666205" y="1849311"/>
+            <a:ext cx="5839097" cy="4272008"/>
           </a:xfrm>
           <a:prstGeom prst="rect">
             <a:avLst/>
@@ -9010,7 +8962,7 @@
           <p:nvPr/>
         </p:nvPicPr>
         <p:blipFill>
-          <a:blip r:embed="rId5" cstate="hqprint">
+          <a:blip r:embed="rId4" cstate="hqprint">
             <a:extLst>
               <a:ext uri="{28A0092B-C50C-407E-A947-70E740481C1C}">
                 <a14:useLocalDpi xmlns:a14="http://schemas.microsoft.com/office/drawing/2010/main" val="0"/>
@@ -9023,7 +8975,7 @@
         </p:blipFill>
         <p:spPr>
           <a:xfrm>
-            <a:off x="6319342" y="2971067"/>
+            <a:off x="6867982" y="2350019"/>
             <a:ext cx="4597759" cy="3270592"/>
           </a:xfrm>
           <a:prstGeom prst="rect">
@@ -9060,6 +9012,373 @@
       </p:par>
     </p:tnLst>
   </p:timing>
+</p:sld>
+</file>
+
+<file path=ppt/slides/slide8.xml><?xml version="1.0" encoding="utf-8"?>
+<p:sld xmlns:a="http://schemas.openxmlformats.org/drawingml/2006/main" xmlns:r="http://schemas.openxmlformats.org/officeDocument/2006/relationships" xmlns:p="http://schemas.openxmlformats.org/presentationml/2006/main">
+  <p:cSld>
+    <p:spTree>
+      <p:nvGrpSpPr>
+        <p:cNvPr id="1" name=""/>
+        <p:cNvGrpSpPr/>
+        <p:nvPr/>
+      </p:nvGrpSpPr>
+      <p:grpSpPr>
+        <a:xfrm>
+          <a:off x="0" y="0"/>
+          <a:ext cx="0" cy="0"/>
+          <a:chOff x="0" y="0"/>
+          <a:chExt cx="0" cy="0"/>
+        </a:xfrm>
+      </p:grpSpPr>
+      <p:pic>
+        <p:nvPicPr>
+          <p:cNvPr id="4" name="Content Placeholder 3"/>
+          <p:cNvPicPr>
+            <a:picLocks noGrp="1" noChangeAspect="1"/>
+          </p:cNvPicPr>
+          <p:nvPr>
+            <p:ph idx="1"/>
+          </p:nvPr>
+        </p:nvPicPr>
+        <p:blipFill>
+          <a:blip r:embed="rId2">
+            <a:extLst>
+              <a:ext uri="{28A0092B-C50C-407E-A947-70E740481C1C}">
+                <a14:useLocalDpi xmlns:a14="http://schemas.microsoft.com/office/drawing/2010/main" val="0"/>
+              </a:ext>
+            </a:extLst>
+          </a:blip>
+          <a:stretch>
+            <a:fillRect/>
+          </a:stretch>
+        </p:blipFill>
+        <p:spPr>
+          <a:xfrm>
+            <a:off x="690157" y="623751"/>
+            <a:ext cx="3402926" cy="2690948"/>
+          </a:xfrm>
+          <a:prstGeom prst="rect">
+            <a:avLst/>
+          </a:prstGeom>
+          <a:ln w="88900" cap="sq" cmpd="thickThin">
+            <a:solidFill>
+              <a:srgbClr val="000000"/>
+            </a:solidFill>
+            <a:prstDash val="solid"/>
+            <a:miter lim="800000"/>
+          </a:ln>
+          <a:effectLst>
+            <a:innerShdw blurRad="76200">
+              <a:srgbClr val="000000"/>
+            </a:innerShdw>
+          </a:effectLst>
+        </p:spPr>
+      </p:pic>
+      <p:pic>
+        <p:nvPicPr>
+          <p:cNvPr id="5" name="Picture 4"/>
+          <p:cNvPicPr>
+            <a:picLocks noChangeAspect="1"/>
+          </p:cNvPicPr>
+          <p:nvPr/>
+        </p:nvPicPr>
+        <p:blipFill>
+          <a:blip r:embed="rId3">
+            <a:extLst>
+              <a:ext uri="{28A0092B-C50C-407E-A947-70E740481C1C}">
+                <a14:useLocalDpi xmlns:a14="http://schemas.microsoft.com/office/drawing/2010/main" val="0"/>
+              </a:ext>
+            </a:extLst>
+          </a:blip>
+          <a:stretch>
+            <a:fillRect/>
+          </a:stretch>
+        </p:blipFill>
+        <p:spPr>
+          <a:xfrm>
+            <a:off x="690156" y="3556680"/>
+            <a:ext cx="3402927" cy="2690948"/>
+          </a:xfrm>
+          <a:prstGeom prst="rect">
+            <a:avLst/>
+          </a:prstGeom>
+          <a:ln w="88900" cap="sq" cmpd="thickThin">
+            <a:solidFill>
+              <a:srgbClr val="000000"/>
+            </a:solidFill>
+            <a:prstDash val="solid"/>
+            <a:miter lim="800000"/>
+          </a:ln>
+          <a:effectLst>
+            <a:innerShdw blurRad="76200">
+              <a:srgbClr val="000000"/>
+            </a:innerShdw>
+          </a:effectLst>
+        </p:spPr>
+      </p:pic>
+      <p:pic>
+        <p:nvPicPr>
+          <p:cNvPr id="6" name="Picture 5"/>
+          <p:cNvPicPr>
+            <a:picLocks noChangeAspect="1"/>
+          </p:cNvPicPr>
+          <p:nvPr/>
+        </p:nvPicPr>
+        <p:blipFill>
+          <a:blip r:embed="rId4">
+            <a:extLst>
+              <a:ext uri="{28A0092B-C50C-407E-A947-70E740481C1C}">
+                <a14:useLocalDpi xmlns:a14="http://schemas.microsoft.com/office/drawing/2010/main" val="0"/>
+              </a:ext>
+            </a:extLst>
+          </a:blip>
+          <a:stretch>
+            <a:fillRect/>
+          </a:stretch>
+        </p:blipFill>
+        <p:spPr>
+          <a:xfrm>
+            <a:off x="7968343" y="3566158"/>
+            <a:ext cx="3555117" cy="2681470"/>
+          </a:xfrm>
+          <a:prstGeom prst="rect">
+            <a:avLst/>
+          </a:prstGeom>
+          <a:ln w="88900" cap="sq" cmpd="thickThin">
+            <a:solidFill>
+              <a:srgbClr val="000000"/>
+            </a:solidFill>
+            <a:prstDash val="solid"/>
+            <a:miter lim="800000"/>
+          </a:ln>
+          <a:effectLst>
+            <a:innerShdw blurRad="76200">
+              <a:srgbClr val="000000"/>
+            </a:innerShdw>
+          </a:effectLst>
+        </p:spPr>
+      </p:pic>
+      <p:pic>
+        <p:nvPicPr>
+          <p:cNvPr id="7" name="Content Placeholder 4">
+            <a:extLst>
+              <a:ext uri="{FF2B5EF4-FFF2-40B4-BE49-F238E27FC236}">
+                <a16:creationId xmlns:a16="http://schemas.microsoft.com/office/drawing/2014/main" id="{D37BDA58-BD8D-43A6-BB95-D07F353C9674}"/>
+              </a:ext>
+            </a:extLst>
+          </p:cNvPr>
+          <p:cNvPicPr>
+            <a:picLocks noChangeAspect="1"/>
+          </p:cNvPicPr>
+          <p:nvPr/>
+        </p:nvPicPr>
+        <p:blipFill>
+          <a:blip r:embed="rId5">
+            <a:extLst>
+              <a:ext uri="{28A0092B-C50C-407E-A947-70E740481C1C}">
+                <a14:useLocalDpi xmlns:a14="http://schemas.microsoft.com/office/drawing/2010/main" val="0"/>
+              </a:ext>
+            </a:extLst>
+          </a:blip>
+          <a:stretch>
+            <a:fillRect/>
+          </a:stretch>
+        </p:blipFill>
+        <p:spPr>
+          <a:xfrm>
+            <a:off x="7968343" y="623752"/>
+            <a:ext cx="3540035" cy="2537460"/>
+          </a:xfrm>
+          <a:prstGeom prst="rect">
+            <a:avLst/>
+          </a:prstGeom>
+          <a:ln w="88900" cap="sq" cmpd="thickThin">
+            <a:solidFill>
+              <a:srgbClr val="000000"/>
+            </a:solidFill>
+            <a:prstDash val="solid"/>
+            <a:miter lim="800000"/>
+          </a:ln>
+          <a:effectLst>
+            <a:innerShdw blurRad="76200">
+              <a:srgbClr val="000000"/>
+            </a:innerShdw>
+          </a:effectLst>
+        </p:spPr>
+      </p:pic>
+      <p:pic>
+        <p:nvPicPr>
+          <p:cNvPr id="8" name="Picture 7"/>
+          <p:cNvPicPr>
+            <a:picLocks noChangeAspect="1"/>
+          </p:cNvPicPr>
+          <p:nvPr/>
+        </p:nvPicPr>
+        <p:blipFill>
+          <a:blip r:embed="rId6">
+            <a:extLst>
+              <a:ext uri="{28A0092B-C50C-407E-A947-70E740481C1C}">
+                <a14:useLocalDpi xmlns:a14="http://schemas.microsoft.com/office/drawing/2010/main" val="0"/>
+              </a:ext>
+            </a:extLst>
+          </a:blip>
+          <a:stretch>
+            <a:fillRect/>
+          </a:stretch>
+        </p:blipFill>
+        <p:spPr>
+          <a:xfrm>
+            <a:off x="4400111" y="2215288"/>
+            <a:ext cx="3202579" cy="2401934"/>
+          </a:xfrm>
+          <a:prstGeom prst="rect">
+            <a:avLst/>
+          </a:prstGeom>
+          <a:ln w="88900" cap="sq" cmpd="thickThin">
+            <a:solidFill>
+              <a:srgbClr val="000000"/>
+            </a:solidFill>
+            <a:prstDash val="solid"/>
+            <a:miter lim="800000"/>
+          </a:ln>
+          <a:effectLst>
+            <a:innerShdw blurRad="76200">
+              <a:srgbClr val="000000"/>
+            </a:innerShdw>
+          </a:effectLst>
+        </p:spPr>
+      </p:pic>
+    </p:spTree>
+    <p:extLst>
+      <p:ext uri="{BB962C8B-B14F-4D97-AF65-F5344CB8AC3E}">
+        <p14:creationId xmlns:p14="http://schemas.microsoft.com/office/powerpoint/2010/main" val="3290054244"/>
+      </p:ext>
+    </p:extLst>
+  </p:cSld>
+  <p:clrMapOvr>
+    <a:masterClrMapping/>
+  </p:clrMapOvr>
+</p:sld>
+</file>
+
+<file path=ppt/slides/slide9.xml><?xml version="1.0" encoding="utf-8"?>
+<p:sld xmlns:a="http://schemas.openxmlformats.org/drawingml/2006/main" xmlns:r="http://schemas.openxmlformats.org/officeDocument/2006/relationships" xmlns:p="http://schemas.openxmlformats.org/presentationml/2006/main">
+  <p:cSld>
+    <p:spTree>
+      <p:nvGrpSpPr>
+        <p:cNvPr id="1" name=""/>
+        <p:cNvGrpSpPr/>
+        <p:nvPr/>
+      </p:nvGrpSpPr>
+      <p:grpSpPr>
+        <a:xfrm>
+          <a:off x="0" y="0"/>
+          <a:ext cx="0" cy="0"/>
+          <a:chOff x="0" y="0"/>
+          <a:chExt cx="0" cy="0"/>
+        </a:xfrm>
+      </p:grpSpPr>
+      <p:sp>
+        <p:nvSpPr>
+          <p:cNvPr id="2" name="Title 1"/>
+          <p:cNvSpPr>
+            <a:spLocks noGrp="1"/>
+          </p:cNvSpPr>
+          <p:nvPr>
+            <p:ph type="title"/>
+          </p:nvPr>
+        </p:nvSpPr>
+        <p:spPr/>
+        <p:txBody>
+          <a:bodyPr/>
+          <a:lstStyle/>
+          <a:p>
+            <a:pPr algn="ctr"/>
+            <a:r>
+              <a:rPr lang="en-GB" dirty="0" smtClean="0"/>
+              <a:t>Questions?</a:t>
+            </a:r>
+            <a:endParaRPr lang="en-GB" dirty="0"/>
+          </a:p>
+        </p:txBody>
+      </p:sp>
+      <p:sp>
+        <p:nvSpPr>
+          <p:cNvPr id="3" name="Content Placeholder 2"/>
+          <p:cNvSpPr>
+            <a:spLocks noGrp="1"/>
+          </p:cNvSpPr>
+          <p:nvPr>
+            <p:ph idx="1"/>
+          </p:nvPr>
+        </p:nvSpPr>
+        <p:spPr/>
+        <p:txBody>
+          <a:bodyPr/>
+          <a:lstStyle/>
+          <a:p>
+            <a:endParaRPr lang="en-GB"/>
+          </a:p>
+        </p:txBody>
+      </p:sp>
+      <p:pic>
+        <p:nvPicPr>
+          <p:cNvPr id="1026" name="Picture 2" descr="Image result for question"/>
+          <p:cNvPicPr>
+            <a:picLocks noChangeAspect="1" noChangeArrowheads="1"/>
+          </p:cNvPicPr>
+          <p:nvPr/>
+        </p:nvPicPr>
+        <p:blipFill>
+          <a:blip r:embed="rId2">
+            <a:extLst>
+              <a:ext uri="{28A0092B-C50C-407E-A947-70E740481C1C}">
+                <a14:useLocalDpi xmlns:a14="http://schemas.microsoft.com/office/drawing/2010/main" val="0"/>
+              </a:ext>
+            </a:extLst>
+          </a:blip>
+          <a:srcRect/>
+          <a:stretch>
+            <a:fillRect/>
+          </a:stretch>
+        </p:blipFill>
+        <p:spPr bwMode="auto">
+          <a:xfrm>
+            <a:off x="966651" y="1732253"/>
+            <a:ext cx="10158549" cy="4550981"/>
+          </a:xfrm>
+          <a:prstGeom prst="rect">
+            <a:avLst/>
+          </a:prstGeom>
+          <a:ln>
+            <a:noFill/>
+          </a:ln>
+          <a:effectLst>
+            <a:softEdge rad="112500"/>
+          </a:effectLst>
+          <a:extLst>
+            <a:ext uri="{909E8E84-426E-40DD-AFC4-6F175D3DCCD1}">
+              <a14:hiddenFill xmlns:a14="http://schemas.microsoft.com/office/drawing/2010/main">
+                <a:solidFill>
+                  <a:srgbClr val="FFFFFF"/>
+                </a:solidFill>
+              </a14:hiddenFill>
+            </a:ext>
+          </a:extLst>
+        </p:spPr>
+      </p:pic>
+    </p:spTree>
+    <p:extLst>
+      <p:ext uri="{BB962C8B-B14F-4D97-AF65-F5344CB8AC3E}">
+        <p14:creationId xmlns:p14="http://schemas.microsoft.com/office/powerpoint/2010/main" val="2845552477"/>
+      </p:ext>
+    </p:extLst>
+  </p:cSld>
+  <p:clrMapOvr>
+    <a:masterClrMapping/>
+  </p:clrMapOvr>
 </p:sld>
 </file>
 

--- a/Powerpoint/Group 23_presentation(1)_not complete.pptx
+++ b/Powerpoint/Group 23_presentation(1)_not complete.pptx
@@ -7751,8 +7751,8 @@
               <a:t>Tomas </a:t>
             </a:r>
             <a:r>
-              <a:rPr lang="en-US" dirty="0" err="1"/>
-              <a:t>Prybl</a:t>
+              <a:rPr lang="en-US" smtClean="0"/>
+              <a:t>Pribyl</a:t>
             </a:r>
             <a:endParaRPr lang="en-US" dirty="0"/>
           </a:p>
@@ -8052,7 +8052,7 @@
                 <a:blip r:embed="rId2">
                   <a:extLst>
                     <a:ext uri="{96DAC541-7B7A-43D3-8B79-37D633B846F1}">
-                      <asvg:svgBlip xmlns:asvg="http://schemas.microsoft.com/office/drawing/2016/SVG/main" xmlns="" r:embed="rId3"/>
+                      <asvg:svgBlip xmlns="" xmlns:asvg="http://schemas.microsoft.com/office/drawing/2016/SVG/main" r:embed="rId3"/>
                     </a:ext>
                   </a:extLst>
                 </a:blip>
@@ -8069,7 +8069,7 @@
                 <a:blip r:embed="rId2">
                   <a:extLst>
                     <a:ext uri="{96DAC541-7B7A-43D3-8B79-37D633B846F1}">
-                      <asvg:svgBlip xmlns:asvg="http://schemas.microsoft.com/office/drawing/2016/SVG/main" xmlns="" r:embed="rId3"/>
+                      <asvg:svgBlip xmlns="" xmlns:asvg="http://schemas.microsoft.com/office/drawing/2016/SVG/main" r:embed="rId3"/>
                     </a:ext>
                   </a:extLst>
                 </a:blip>
@@ -8086,7 +8086,7 @@
                 <a:blip r:embed="rId2">
                   <a:extLst>
                     <a:ext uri="{96DAC541-7B7A-43D3-8B79-37D633B846F1}">
-                      <asvg:svgBlip xmlns:asvg="http://schemas.microsoft.com/office/drawing/2016/SVG/main" xmlns="" r:embed="rId3"/>
+                      <asvg:svgBlip xmlns="" xmlns:asvg="http://schemas.microsoft.com/office/drawing/2016/SVG/main" r:embed="rId3"/>
                     </a:ext>
                   </a:extLst>
                 </a:blip>
@@ -8103,7 +8103,7 @@
                 <a:blip r:embed="rId2">
                   <a:extLst>
                     <a:ext uri="{96DAC541-7B7A-43D3-8B79-37D633B846F1}">
-                      <asvg:svgBlip xmlns:asvg="http://schemas.microsoft.com/office/drawing/2016/SVG/main" xmlns="" r:embed="rId3"/>
+                      <asvg:svgBlip xmlns="" xmlns:asvg="http://schemas.microsoft.com/office/drawing/2016/SVG/main" r:embed="rId3"/>
                     </a:ext>
                   </a:extLst>
                 </a:blip>
@@ -8120,7 +8120,7 @@
                 <a:blip r:embed="rId2">
                   <a:extLst>
                     <a:ext uri="{96DAC541-7B7A-43D3-8B79-37D633B846F1}">
-                      <asvg:svgBlip xmlns:asvg="http://schemas.microsoft.com/office/drawing/2016/SVG/main" xmlns="" r:embed="rId3"/>
+                      <asvg:svgBlip xmlns="" xmlns:asvg="http://schemas.microsoft.com/office/drawing/2016/SVG/main" r:embed="rId3"/>
                     </a:ext>
                   </a:extLst>
                 </a:blip>

--- a/Powerpoint/Group 23_presentation(1)_not complete.pptx
+++ b/Powerpoint/Group 23_presentation(1)_not complete.pptx
@@ -7751,8 +7751,8 @@
               <a:t>Tomas </a:t>
             </a:r>
             <a:r>
-              <a:rPr lang="en-US" dirty="0" err="1"/>
-              <a:t>Prybl</a:t>
+              <a:rPr lang="en-US" dirty="0" err="1" smtClean="0"/>
+              <a:t>Pribyl</a:t>
             </a:r>
             <a:endParaRPr lang="en-US" dirty="0"/>
           </a:p>
@@ -8052,7 +8052,7 @@
                 <a:blip r:embed="rId2">
                   <a:extLst>
                     <a:ext uri="{96DAC541-7B7A-43D3-8B79-37D633B846F1}">
-                      <asvg:svgBlip xmlns:asvg="http://schemas.microsoft.com/office/drawing/2016/SVG/main" xmlns="" r:embed="rId3"/>
+                      <asvg:svgBlip xmlns="" xmlns:asvg="http://schemas.microsoft.com/office/drawing/2016/SVG/main" r:embed="rId3"/>
                     </a:ext>
                   </a:extLst>
                 </a:blip>
@@ -8069,7 +8069,7 @@
                 <a:blip r:embed="rId2">
                   <a:extLst>
                     <a:ext uri="{96DAC541-7B7A-43D3-8B79-37D633B846F1}">
-                      <asvg:svgBlip xmlns:asvg="http://schemas.microsoft.com/office/drawing/2016/SVG/main" xmlns="" r:embed="rId3"/>
+                      <asvg:svgBlip xmlns="" xmlns:asvg="http://schemas.microsoft.com/office/drawing/2016/SVG/main" r:embed="rId3"/>
                     </a:ext>
                   </a:extLst>
                 </a:blip>
@@ -8086,7 +8086,7 @@
                 <a:blip r:embed="rId2">
                   <a:extLst>
                     <a:ext uri="{96DAC541-7B7A-43D3-8B79-37D633B846F1}">
-                      <asvg:svgBlip xmlns:asvg="http://schemas.microsoft.com/office/drawing/2016/SVG/main" xmlns="" r:embed="rId3"/>
+                      <asvg:svgBlip xmlns="" xmlns:asvg="http://schemas.microsoft.com/office/drawing/2016/SVG/main" r:embed="rId3"/>
                     </a:ext>
                   </a:extLst>
                 </a:blip>
@@ -8103,7 +8103,7 @@
                 <a:blip r:embed="rId2">
                   <a:extLst>
                     <a:ext uri="{96DAC541-7B7A-43D3-8B79-37D633B846F1}">
-                      <asvg:svgBlip xmlns:asvg="http://schemas.microsoft.com/office/drawing/2016/SVG/main" xmlns="" r:embed="rId3"/>
+                      <asvg:svgBlip xmlns="" xmlns:asvg="http://schemas.microsoft.com/office/drawing/2016/SVG/main" r:embed="rId3"/>
                     </a:ext>
                   </a:extLst>
                 </a:blip>
@@ -8120,7 +8120,7 @@
                 <a:blip r:embed="rId2">
                   <a:extLst>
                     <a:ext uri="{96DAC541-7B7A-43D3-8B79-37D633B846F1}">
-                      <asvg:svgBlip xmlns:asvg="http://schemas.microsoft.com/office/drawing/2016/SVG/main" xmlns="" r:embed="rId3"/>
+                      <asvg:svgBlip xmlns="" xmlns:asvg="http://schemas.microsoft.com/office/drawing/2016/SVG/main" r:embed="rId3"/>
                     </a:ext>
                   </a:extLst>
                 </a:blip>
@@ -8738,14 +8738,44 @@
         </p:blipFill>
         <p:spPr>
           <a:xfrm>
-            <a:off x="686790" y="385577"/>
-            <a:ext cx="10832275" cy="6093155"/>
+            <a:off x="686790" y="1223158"/>
+            <a:ext cx="10832275" cy="5255574"/>
           </a:xfrm>
           <a:prstGeom prst="rect">
             <a:avLst/>
           </a:prstGeom>
         </p:spPr>
       </p:pic>
+      <p:sp>
+        <p:nvSpPr>
+          <p:cNvPr id="2" name="TextBox 1"/>
+          <p:cNvSpPr txBox="1"/>
+          <p:nvPr/>
+        </p:nvSpPr>
+        <p:spPr>
+          <a:xfrm>
+            <a:off x="3099460" y="546265"/>
+            <a:ext cx="5035137" cy="369332"/>
+          </a:xfrm>
+          <a:prstGeom prst="rect">
+            <a:avLst/>
+          </a:prstGeom>
+          <a:noFill/>
+        </p:spPr>
+        <p:txBody>
+          <a:bodyPr wrap="square" rtlCol="0">
+            <a:spAutoFit/>
+          </a:bodyPr>
+          <a:lstStyle/>
+          <a:p>
+            <a:r>
+              <a:rPr lang="en-GB"/>
+              <a:t>https://www.youtube.com/watch?v=hAZUEgPwBEs</a:t>
+            </a:r>
+            <a:endParaRPr lang="en-GB" dirty="0"/>
+          </a:p>
+        </p:txBody>
+      </p:sp>
     </p:spTree>
     <p:extLst>
       <p:ext uri="{BB962C8B-B14F-4D97-AF65-F5344CB8AC3E}">
